--- a/doc/BCB_Intro_Vector_2022.pptx
+++ b/doc/BCB_Intro_Vector_2022.pptx
@@ -6,7 +6,7 @@
     <p:sldMasterId id="2147483654" r:id="rId2"/>
   </p:sldMasterIdLst>
   <p:notesMasterIdLst>
-    <p:notesMasterId r:id="rId8"/>
+    <p:notesMasterId r:id="rId17"/>
   </p:notesMasterIdLst>
   <p:sldIdLst>
     <p:sldId id="335" r:id="rId3"/>
@@ -14,6 +14,15 @@
     <p:sldId id="427" r:id="rId5"/>
     <p:sldId id="429" r:id="rId6"/>
     <p:sldId id="430" r:id="rId7"/>
+    <p:sldId id="431" r:id="rId8"/>
+    <p:sldId id="432" r:id="rId9"/>
+    <p:sldId id="433" r:id="rId10"/>
+    <p:sldId id="434" r:id="rId11"/>
+    <p:sldId id="435" r:id="rId12"/>
+    <p:sldId id="436" r:id="rId13"/>
+    <p:sldId id="437" r:id="rId14"/>
+    <p:sldId id="438" r:id="rId15"/>
+    <p:sldId id="439" r:id="rId16"/>
   </p:sldIdLst>
   <p:sldSz cx="9144000" cy="5143500" type="screen16x9"/>
   <p:notesSz cx="6858000" cy="9144000"/>
@@ -223,7 +232,7 @@
           <a:p>
             <a:fld id="{8B3D4395-F4BB-4776-AD1A-E1F7520CF444}" type="datetimeFigureOut">
               <a:rPr lang="en-US" smtClean="0"/>
-              <a:t>4/15/2022</a:t>
+              <a:t>4/21/2022</a:t>
             </a:fld>
             <a:endParaRPr lang="en-US" dirty="0"/>
           </a:p>
@@ -2504,6 +2513,1976 @@
 </p:sld>
 </file>
 
+<file path=ppt/slides/slide10.xml><?xml version="1.0" encoding="utf-8"?>
+<p:sld xmlns:a="http://schemas.openxmlformats.org/drawingml/2006/main" xmlns:r="http://schemas.openxmlformats.org/officeDocument/2006/relationships" xmlns:p="http://schemas.openxmlformats.org/presentationml/2006/main">
+  <p:cSld>
+    <p:spTree>
+      <p:nvGrpSpPr>
+        <p:cNvPr id="1" name=""/>
+        <p:cNvGrpSpPr/>
+        <p:nvPr/>
+      </p:nvGrpSpPr>
+      <p:grpSpPr>
+        <a:xfrm>
+          <a:off x="0" y="0"/>
+          <a:ext cx="0" cy="0"/>
+          <a:chOff x="0" y="0"/>
+          <a:chExt cx="0" cy="0"/>
+        </a:xfrm>
+      </p:grpSpPr>
+      <p:sp>
+        <p:nvSpPr>
+          <p:cNvPr id="2" name="Title 1">
+            <a:extLst>
+              <a:ext uri="{FF2B5EF4-FFF2-40B4-BE49-F238E27FC236}">
+                <a16:creationId xmlns:a16="http://schemas.microsoft.com/office/drawing/2014/main" id="{012322C8-7E00-364B-ADFB-9F14A7CD7D58}"/>
+              </a:ext>
+            </a:extLst>
+          </p:cNvPr>
+          <p:cNvSpPr>
+            <a:spLocks noGrp="1"/>
+          </p:cNvSpPr>
+          <p:nvPr>
+            <p:ph type="title"/>
+          </p:nvPr>
+        </p:nvSpPr>
+        <p:spPr/>
+        <p:txBody>
+          <a:bodyPr/>
+          <a:lstStyle/>
+          <a:p>
+            <a:r>
+              <a:rPr lang="en-US" dirty="0"/>
+              <a:t>Coordinate Reference Systems</a:t>
+            </a:r>
+          </a:p>
+        </p:txBody>
+      </p:sp>
+      <p:sp>
+        <p:nvSpPr>
+          <p:cNvPr id="7" name="Text Placeholder 2">
+            <a:extLst>
+              <a:ext uri="{FF2B5EF4-FFF2-40B4-BE49-F238E27FC236}">
+                <a16:creationId xmlns:a16="http://schemas.microsoft.com/office/drawing/2014/main" id="{43265DD6-B627-7242-B878-C522E951F70C}"/>
+              </a:ext>
+            </a:extLst>
+          </p:cNvPr>
+          <p:cNvSpPr>
+            <a:spLocks noGrp="1"/>
+          </p:cNvSpPr>
+          <p:nvPr>
+            <p:ph type="body" sz="quarter" idx="10"/>
+          </p:nvPr>
+        </p:nvSpPr>
+        <p:spPr>
+          <a:xfrm>
+            <a:off x="337760" y="292626"/>
+            <a:ext cx="4234240" cy="279834"/>
+          </a:xfrm>
+        </p:spPr>
+        <p:txBody>
+          <a:bodyPr/>
+          <a:lstStyle/>
+          <a:p>
+            <a:r>
+              <a:rPr lang="en-US" dirty="0"/>
+              <a:t>3. Intro to Geospatial Concepts - CRS</a:t>
+            </a:r>
+          </a:p>
+        </p:txBody>
+      </p:sp>
+      <p:pic>
+        <p:nvPicPr>
+          <p:cNvPr id="5" name="Picture 4" descr="A close up of text on a white background&#10;&#10;Description automatically generated">
+            <a:extLst>
+              <a:ext uri="{FF2B5EF4-FFF2-40B4-BE49-F238E27FC236}">
+                <a16:creationId xmlns:a16="http://schemas.microsoft.com/office/drawing/2014/main" id="{3423A0E5-F333-C840-AA56-0FCC0997F8E3}"/>
+              </a:ext>
+            </a:extLst>
+          </p:cNvPr>
+          <p:cNvPicPr>
+            <a:picLocks noChangeAspect="1"/>
+          </p:cNvPicPr>
+          <p:nvPr/>
+        </p:nvPicPr>
+        <p:blipFill>
+          <a:blip r:embed="rId2">
+            <a:extLst>
+              <a:ext uri="{28A0092B-C50C-407E-A947-70E740481C1C}">
+                <a14:useLocalDpi xmlns:a14="http://schemas.microsoft.com/office/drawing/2010/main" val="0"/>
+              </a:ext>
+            </a:extLst>
+          </a:blip>
+          <a:stretch>
+            <a:fillRect/>
+          </a:stretch>
+        </p:blipFill>
+        <p:spPr>
+          <a:xfrm>
+            <a:off x="2048932" y="964186"/>
+            <a:ext cx="4377597" cy="2948071"/>
+          </a:xfrm>
+          <a:prstGeom prst="rect">
+            <a:avLst/>
+          </a:prstGeom>
+        </p:spPr>
+      </p:pic>
+      <p:sp>
+        <p:nvSpPr>
+          <p:cNvPr id="8" name="Text Box 2">
+            <a:extLst>
+              <a:ext uri="{FF2B5EF4-FFF2-40B4-BE49-F238E27FC236}">
+                <a16:creationId xmlns:a16="http://schemas.microsoft.com/office/drawing/2014/main" id="{13879095-F072-EF4D-8C27-4CDD35521D8D}"/>
+              </a:ext>
+            </a:extLst>
+          </p:cNvPr>
+          <p:cNvSpPr txBox="1">
+            <a:spLocks noChangeArrowheads="1"/>
+          </p:cNvSpPr>
+          <p:nvPr/>
+        </p:nvSpPr>
+        <p:spPr bwMode="auto">
+          <a:xfrm>
+            <a:off x="7119560" y="1343698"/>
+            <a:ext cx="3918216" cy="307777"/>
+          </a:xfrm>
+          <a:prstGeom prst="rect">
+            <a:avLst/>
+          </a:prstGeom>
+          <a:noFill/>
+          <a:ln w="9525">
+            <a:noFill/>
+            <a:miter lim="800000"/>
+            <a:headEnd/>
+            <a:tailEnd/>
+          </a:ln>
+        </p:spPr>
+        <p:txBody>
+          <a:bodyPr wrap="square">
+            <a:prstTxWarp prst="textNoShape">
+              <a:avLst/>
+            </a:prstTxWarp>
+            <a:spAutoFit/>
+          </a:bodyPr>
+          <a:lstStyle/>
+          <a:p>
+            <a:pPr>
+              <a:spcBef>
+                <a:spcPct val="50000"/>
+              </a:spcBef>
+            </a:pPr>
+            <a:r>
+              <a:rPr lang="en-US" b="1" dirty="0">
+                <a:solidFill>
+                  <a:srgbClr val="6E6E6E"/>
+                </a:solidFill>
+                <a:latin typeface="Arial" pitchFamily="-106" charset="0"/>
+                <a:cs typeface="Helvetica"/>
+              </a:rPr>
+              <a:t>UTM Zones</a:t>
+            </a:r>
+            <a:endParaRPr lang="en-US" dirty="0">
+              <a:solidFill>
+                <a:srgbClr val="6E6E6E"/>
+              </a:solidFill>
+              <a:latin typeface="Arial" pitchFamily="-106" charset="0"/>
+              <a:cs typeface="Helvetica"/>
+            </a:endParaRPr>
+          </a:p>
+        </p:txBody>
+      </p:sp>
+      <p:sp>
+        <p:nvSpPr>
+          <p:cNvPr id="9" name="Rectangle 8">
+            <a:extLst>
+              <a:ext uri="{FF2B5EF4-FFF2-40B4-BE49-F238E27FC236}">
+                <a16:creationId xmlns:a16="http://schemas.microsoft.com/office/drawing/2014/main" id="{78684C63-43E2-894E-B4EF-71D843FBAE6C}"/>
+              </a:ext>
+            </a:extLst>
+          </p:cNvPr>
+          <p:cNvSpPr/>
+          <p:nvPr/>
+        </p:nvSpPr>
+        <p:spPr>
+          <a:xfrm>
+            <a:off x="762651" y="4048055"/>
+            <a:ext cx="8517468" cy="307777"/>
+          </a:xfrm>
+          <a:prstGeom prst="rect">
+            <a:avLst/>
+          </a:prstGeom>
+        </p:spPr>
+        <p:txBody>
+          <a:bodyPr wrap="square">
+            <a:spAutoFit/>
+          </a:bodyPr>
+          <a:lstStyle/>
+          <a:p>
+            <a:r>
+              <a:rPr lang="en-US" dirty="0">
+                <a:solidFill>
+                  <a:srgbClr val="3D90D9"/>
+                </a:solidFill>
+                <a:latin typeface="Menlo" panose="020B0609030804020204" pitchFamily="49" charset="0"/>
+              </a:rPr>
+              <a:t>+</a:t>
+            </a:r>
+            <a:r>
+              <a:rPr lang="en-US" dirty="0" err="1">
+                <a:solidFill>
+                  <a:srgbClr val="3D90D9"/>
+                </a:solidFill>
+                <a:latin typeface="Menlo" panose="020B0609030804020204" pitchFamily="49" charset="0"/>
+              </a:rPr>
+              <a:t>proj</a:t>
+            </a:r>
+            <a:r>
+              <a:rPr lang="en-US" dirty="0">
+                <a:solidFill>
+                  <a:srgbClr val="3D90D9"/>
+                </a:solidFill>
+                <a:latin typeface="Menlo" panose="020B0609030804020204" pitchFamily="49" charset="0"/>
+              </a:rPr>
+              <a:t>=</a:t>
+            </a:r>
+            <a:r>
+              <a:rPr lang="en-US" dirty="0" err="1">
+                <a:solidFill>
+                  <a:srgbClr val="3D90D9"/>
+                </a:solidFill>
+                <a:latin typeface="Menlo" panose="020B0609030804020204" pitchFamily="49" charset="0"/>
+              </a:rPr>
+              <a:t>utm</a:t>
+            </a:r>
+            <a:r>
+              <a:rPr lang="en-US" dirty="0">
+                <a:solidFill>
+                  <a:srgbClr val="3D90D9"/>
+                </a:solidFill>
+                <a:latin typeface="Menlo" panose="020B0609030804020204" pitchFamily="49" charset="0"/>
+              </a:rPr>
+              <a:t> +zone=18 +datum=WGS84 +units=m +</a:t>
+            </a:r>
+            <a:r>
+              <a:rPr lang="en-US" dirty="0" err="1">
+                <a:solidFill>
+                  <a:srgbClr val="3D90D9"/>
+                </a:solidFill>
+                <a:latin typeface="Menlo" panose="020B0609030804020204" pitchFamily="49" charset="0"/>
+              </a:rPr>
+              <a:t>no_defs</a:t>
+            </a:r>
+            <a:r>
+              <a:rPr lang="en-US" dirty="0">
+                <a:solidFill>
+                  <a:srgbClr val="3D90D9"/>
+                </a:solidFill>
+                <a:latin typeface="Menlo" panose="020B0609030804020204" pitchFamily="49" charset="0"/>
+              </a:rPr>
+              <a:t> +</a:t>
+            </a:r>
+            <a:r>
+              <a:rPr lang="en-US" dirty="0" err="1">
+                <a:solidFill>
+                  <a:srgbClr val="3D90D9"/>
+                </a:solidFill>
+                <a:latin typeface="Menlo" panose="020B0609030804020204" pitchFamily="49" charset="0"/>
+              </a:rPr>
+              <a:t>ellps</a:t>
+            </a:r>
+            <a:r>
+              <a:rPr lang="en-US" dirty="0">
+                <a:solidFill>
+                  <a:srgbClr val="3D90D9"/>
+                </a:solidFill>
+                <a:latin typeface="Menlo" panose="020B0609030804020204" pitchFamily="49" charset="0"/>
+              </a:rPr>
+              <a:t>=WGS84 +towgs84=0,0,0</a:t>
+            </a:r>
+            <a:endParaRPr lang="en-US" dirty="0"/>
+          </a:p>
+        </p:txBody>
+      </p:sp>
+    </p:spTree>
+    <p:extLst>
+      <p:ext uri="{BB962C8B-B14F-4D97-AF65-F5344CB8AC3E}">
+        <p14:creationId xmlns:p14="http://schemas.microsoft.com/office/powerpoint/2010/main" val="620414496"/>
+      </p:ext>
+    </p:extLst>
+  </p:cSld>
+  <p:clrMapOvr>
+    <a:masterClrMapping/>
+  </p:clrMapOvr>
+  <p:timing>
+    <p:tnLst>
+      <p:par>
+        <p:cTn id="1" dur="indefinite" restart="never" nodeType="tmRoot">
+          <p:childTnLst>
+            <p:seq concurrent="1" nextAc="seek">
+              <p:cTn id="2" dur="indefinite" nodeType="mainSeq">
+                <p:childTnLst>
+                  <p:par>
+                    <p:cTn id="3" fill="hold">
+                      <p:stCondLst>
+                        <p:cond delay="indefinite"/>
+                      </p:stCondLst>
+                      <p:childTnLst>
+                        <p:par>
+                          <p:cTn id="4" fill="hold">
+                            <p:stCondLst>
+                              <p:cond delay="0"/>
+                            </p:stCondLst>
+                            <p:childTnLst>
+                              <p:par>
+                                <p:cTn id="5" presetID="1" presetClass="entr" presetSubtype="0" fill="hold" grpId="0" nodeType="clickEffect">
+                                  <p:stCondLst>
+                                    <p:cond delay="0"/>
+                                  </p:stCondLst>
+                                  <p:childTnLst>
+                                    <p:set>
+                                      <p:cBhvr>
+                                        <p:cTn id="6" dur="1" fill="hold">
+                                          <p:stCondLst>
+                                            <p:cond delay="499"/>
+                                          </p:stCondLst>
+                                        </p:cTn>
+                                        <p:tgtEl>
+                                          <p:spTgt spid="8">
+                                            <p:txEl>
+                                              <p:pRg st="0" end="0"/>
+                                            </p:txEl>
+                                          </p:spTgt>
+                                        </p:tgtEl>
+                                        <p:attrNameLst>
+                                          <p:attrName>style.visibility</p:attrName>
+                                        </p:attrNameLst>
+                                      </p:cBhvr>
+                                      <p:to>
+                                        <p:strVal val="visible"/>
+                                      </p:to>
+                                    </p:set>
+                                  </p:childTnLst>
+                                </p:cTn>
+                              </p:par>
+                            </p:childTnLst>
+                          </p:cTn>
+                        </p:par>
+                      </p:childTnLst>
+                    </p:cTn>
+                  </p:par>
+                </p:childTnLst>
+              </p:cTn>
+              <p:prevCondLst>
+                <p:cond evt="onPrev" delay="0">
+                  <p:tgtEl>
+                    <p:sldTgt/>
+                  </p:tgtEl>
+                </p:cond>
+              </p:prevCondLst>
+              <p:nextCondLst>
+                <p:cond evt="onNext" delay="0">
+                  <p:tgtEl>
+                    <p:sldTgt/>
+                  </p:tgtEl>
+                </p:cond>
+              </p:nextCondLst>
+            </p:seq>
+          </p:childTnLst>
+        </p:cTn>
+      </p:par>
+    </p:tnLst>
+    <p:bldLst>
+      <p:bldP spid="8" grpId="0" build="p" autoUpdateAnimBg="0"/>
+    </p:bldLst>
+  </p:timing>
+</p:sld>
+</file>
+
+<file path=ppt/slides/slide11.xml><?xml version="1.0" encoding="utf-8"?>
+<p:sld xmlns:a="http://schemas.openxmlformats.org/drawingml/2006/main" xmlns:r="http://schemas.openxmlformats.org/officeDocument/2006/relationships" xmlns:p="http://schemas.openxmlformats.org/presentationml/2006/main">
+  <p:cSld>
+    <p:spTree>
+      <p:nvGrpSpPr>
+        <p:cNvPr id="1" name=""/>
+        <p:cNvGrpSpPr/>
+        <p:nvPr/>
+      </p:nvGrpSpPr>
+      <p:grpSpPr>
+        <a:xfrm>
+          <a:off x="0" y="0"/>
+          <a:ext cx="0" cy="0"/>
+          <a:chOff x="0" y="0"/>
+          <a:chExt cx="0" cy="0"/>
+        </a:xfrm>
+      </p:grpSpPr>
+      <p:sp>
+        <p:nvSpPr>
+          <p:cNvPr id="2" name="Title 1">
+            <a:extLst>
+              <a:ext uri="{FF2B5EF4-FFF2-40B4-BE49-F238E27FC236}">
+                <a16:creationId xmlns:a16="http://schemas.microsoft.com/office/drawing/2014/main" id="{012322C8-7E00-364B-ADFB-9F14A7CD7D58}"/>
+              </a:ext>
+            </a:extLst>
+          </p:cNvPr>
+          <p:cNvSpPr>
+            <a:spLocks noGrp="1"/>
+          </p:cNvSpPr>
+          <p:nvPr>
+            <p:ph type="title"/>
+          </p:nvPr>
+        </p:nvSpPr>
+        <p:spPr/>
+        <p:txBody>
+          <a:bodyPr/>
+          <a:lstStyle/>
+          <a:p>
+            <a:r>
+              <a:rPr lang="en-US" dirty="0"/>
+              <a:t>Coordinate Reference Systems</a:t>
+            </a:r>
+          </a:p>
+        </p:txBody>
+      </p:sp>
+      <p:sp>
+        <p:nvSpPr>
+          <p:cNvPr id="7" name="Text Placeholder 2">
+            <a:extLst>
+              <a:ext uri="{FF2B5EF4-FFF2-40B4-BE49-F238E27FC236}">
+                <a16:creationId xmlns:a16="http://schemas.microsoft.com/office/drawing/2014/main" id="{43265DD6-B627-7242-B878-C522E951F70C}"/>
+              </a:ext>
+            </a:extLst>
+          </p:cNvPr>
+          <p:cNvSpPr>
+            <a:spLocks noGrp="1"/>
+          </p:cNvSpPr>
+          <p:nvPr>
+            <p:ph type="body" sz="quarter" idx="10"/>
+          </p:nvPr>
+        </p:nvSpPr>
+        <p:spPr>
+          <a:xfrm>
+            <a:off x="337760" y="292626"/>
+            <a:ext cx="4234240" cy="279834"/>
+          </a:xfrm>
+        </p:spPr>
+        <p:txBody>
+          <a:bodyPr/>
+          <a:lstStyle/>
+          <a:p>
+            <a:r>
+              <a:rPr lang="en-US" dirty="0"/>
+              <a:t>3. Intro to Geospatial Concepts - CRS</a:t>
+            </a:r>
+          </a:p>
+        </p:txBody>
+      </p:sp>
+      <p:sp>
+        <p:nvSpPr>
+          <p:cNvPr id="3" name="Rectangle 2">
+            <a:extLst>
+              <a:ext uri="{FF2B5EF4-FFF2-40B4-BE49-F238E27FC236}">
+                <a16:creationId xmlns:a16="http://schemas.microsoft.com/office/drawing/2014/main" id="{57F02802-8081-D248-9C2E-206B2740AB77}"/>
+              </a:ext>
+            </a:extLst>
+          </p:cNvPr>
+          <p:cNvSpPr/>
+          <p:nvPr/>
+        </p:nvSpPr>
+        <p:spPr>
+          <a:xfrm>
+            <a:off x="186917" y="1404206"/>
+            <a:ext cx="8517468" cy="307777"/>
+          </a:xfrm>
+          <a:prstGeom prst="rect">
+            <a:avLst/>
+          </a:prstGeom>
+        </p:spPr>
+        <p:txBody>
+          <a:bodyPr wrap="square">
+            <a:spAutoFit/>
+          </a:bodyPr>
+          <a:lstStyle/>
+          <a:p>
+            <a:r>
+              <a:rPr lang="en-US" dirty="0">
+                <a:solidFill>
+                  <a:srgbClr val="3D90D9"/>
+                </a:solidFill>
+                <a:latin typeface="Menlo" panose="020B0609030804020204" pitchFamily="49" charset="0"/>
+              </a:rPr>
+              <a:t>+</a:t>
+            </a:r>
+            <a:r>
+              <a:rPr lang="en-US" dirty="0" err="1">
+                <a:solidFill>
+                  <a:srgbClr val="3D90D9"/>
+                </a:solidFill>
+                <a:latin typeface="Menlo" panose="020B0609030804020204" pitchFamily="49" charset="0"/>
+              </a:rPr>
+              <a:t>proj</a:t>
+            </a:r>
+            <a:r>
+              <a:rPr lang="en-US" dirty="0">
+                <a:solidFill>
+                  <a:srgbClr val="3D90D9"/>
+                </a:solidFill>
+                <a:latin typeface="Menlo" panose="020B0609030804020204" pitchFamily="49" charset="0"/>
+              </a:rPr>
+              <a:t>=</a:t>
+            </a:r>
+            <a:r>
+              <a:rPr lang="en-US" dirty="0" err="1">
+                <a:solidFill>
+                  <a:srgbClr val="3D90D9"/>
+                </a:solidFill>
+                <a:latin typeface="Menlo" panose="020B0609030804020204" pitchFamily="49" charset="0"/>
+              </a:rPr>
+              <a:t>utm</a:t>
+            </a:r>
+            <a:r>
+              <a:rPr lang="en-US" dirty="0">
+                <a:solidFill>
+                  <a:srgbClr val="3D90D9"/>
+                </a:solidFill>
+                <a:latin typeface="Menlo" panose="020B0609030804020204" pitchFamily="49" charset="0"/>
+              </a:rPr>
+              <a:t> +zone=18 +datum=WGS84 +units=m +</a:t>
+            </a:r>
+            <a:r>
+              <a:rPr lang="en-US" dirty="0" err="1">
+                <a:solidFill>
+                  <a:srgbClr val="3D90D9"/>
+                </a:solidFill>
+                <a:latin typeface="Menlo" panose="020B0609030804020204" pitchFamily="49" charset="0"/>
+              </a:rPr>
+              <a:t>no_defs</a:t>
+            </a:r>
+            <a:r>
+              <a:rPr lang="en-US" dirty="0">
+                <a:solidFill>
+                  <a:srgbClr val="3D90D9"/>
+                </a:solidFill>
+                <a:latin typeface="Menlo" panose="020B0609030804020204" pitchFamily="49" charset="0"/>
+              </a:rPr>
+              <a:t> +</a:t>
+            </a:r>
+            <a:r>
+              <a:rPr lang="en-US" dirty="0" err="1">
+                <a:solidFill>
+                  <a:srgbClr val="3D90D9"/>
+                </a:solidFill>
+                <a:latin typeface="Menlo" panose="020B0609030804020204" pitchFamily="49" charset="0"/>
+              </a:rPr>
+              <a:t>ellps</a:t>
+            </a:r>
+            <a:r>
+              <a:rPr lang="en-US" dirty="0">
+                <a:solidFill>
+                  <a:srgbClr val="3D90D9"/>
+                </a:solidFill>
+                <a:latin typeface="Menlo" panose="020B0609030804020204" pitchFamily="49" charset="0"/>
+              </a:rPr>
+              <a:t>=WGS84 +towgs84=0,0,0</a:t>
+            </a:r>
+            <a:endParaRPr lang="en-US" dirty="0"/>
+          </a:p>
+        </p:txBody>
+      </p:sp>
+    </p:spTree>
+    <p:extLst>
+      <p:ext uri="{BB962C8B-B14F-4D97-AF65-F5344CB8AC3E}">
+        <p14:creationId xmlns:p14="http://schemas.microsoft.com/office/powerpoint/2010/main" val="1135330067"/>
+      </p:ext>
+    </p:extLst>
+  </p:cSld>
+  <p:clrMapOvr>
+    <a:masterClrMapping/>
+  </p:clrMapOvr>
+</p:sld>
+</file>
+
+<file path=ppt/slides/slide12.xml><?xml version="1.0" encoding="utf-8"?>
+<p:sld xmlns:a="http://schemas.openxmlformats.org/drawingml/2006/main" xmlns:r="http://schemas.openxmlformats.org/officeDocument/2006/relationships" xmlns:p="http://schemas.openxmlformats.org/presentationml/2006/main">
+  <p:cSld>
+    <p:spTree>
+      <p:nvGrpSpPr>
+        <p:cNvPr id="1" name=""/>
+        <p:cNvGrpSpPr/>
+        <p:nvPr/>
+      </p:nvGrpSpPr>
+      <p:grpSpPr>
+        <a:xfrm>
+          <a:off x="0" y="0"/>
+          <a:ext cx="0" cy="0"/>
+          <a:chOff x="0" y="0"/>
+          <a:chExt cx="0" cy="0"/>
+        </a:xfrm>
+      </p:grpSpPr>
+      <p:sp>
+        <p:nvSpPr>
+          <p:cNvPr id="2" name="Title 1">
+            <a:extLst>
+              <a:ext uri="{FF2B5EF4-FFF2-40B4-BE49-F238E27FC236}">
+                <a16:creationId xmlns:a16="http://schemas.microsoft.com/office/drawing/2014/main" id="{012322C8-7E00-364B-ADFB-9F14A7CD7D58}"/>
+              </a:ext>
+            </a:extLst>
+          </p:cNvPr>
+          <p:cNvSpPr>
+            <a:spLocks noGrp="1"/>
+          </p:cNvSpPr>
+          <p:nvPr>
+            <p:ph type="title"/>
+          </p:nvPr>
+        </p:nvSpPr>
+        <p:spPr/>
+        <p:txBody>
+          <a:bodyPr/>
+          <a:lstStyle/>
+          <a:p>
+            <a:r>
+              <a:rPr lang="en-US" dirty="0"/>
+              <a:t>Coordinate Reference Systems</a:t>
+            </a:r>
+          </a:p>
+        </p:txBody>
+      </p:sp>
+      <p:sp>
+        <p:nvSpPr>
+          <p:cNvPr id="7" name="Text Placeholder 2">
+            <a:extLst>
+              <a:ext uri="{FF2B5EF4-FFF2-40B4-BE49-F238E27FC236}">
+                <a16:creationId xmlns:a16="http://schemas.microsoft.com/office/drawing/2014/main" id="{43265DD6-B627-7242-B878-C522E951F70C}"/>
+              </a:ext>
+            </a:extLst>
+          </p:cNvPr>
+          <p:cNvSpPr>
+            <a:spLocks noGrp="1"/>
+          </p:cNvSpPr>
+          <p:nvPr>
+            <p:ph type="body" sz="quarter" idx="10"/>
+          </p:nvPr>
+        </p:nvSpPr>
+        <p:spPr>
+          <a:xfrm>
+            <a:off x="337760" y="292626"/>
+            <a:ext cx="4234240" cy="279834"/>
+          </a:xfrm>
+        </p:spPr>
+        <p:txBody>
+          <a:bodyPr/>
+          <a:lstStyle/>
+          <a:p>
+            <a:r>
+              <a:rPr lang="en-US" dirty="0"/>
+              <a:t>3. Intro to Geospatial Concepts - CRS</a:t>
+            </a:r>
+          </a:p>
+        </p:txBody>
+      </p:sp>
+      <p:sp>
+        <p:nvSpPr>
+          <p:cNvPr id="4" name="Rectangle 3">
+            <a:extLst>
+              <a:ext uri="{FF2B5EF4-FFF2-40B4-BE49-F238E27FC236}">
+                <a16:creationId xmlns:a16="http://schemas.microsoft.com/office/drawing/2014/main" id="{25FFEFCA-CAD6-5A48-BFE5-CA90642D1680}"/>
+              </a:ext>
+            </a:extLst>
+          </p:cNvPr>
+          <p:cNvSpPr/>
+          <p:nvPr/>
+        </p:nvSpPr>
+        <p:spPr>
+          <a:xfrm>
+            <a:off x="819771" y="1264381"/>
+            <a:ext cx="3954360" cy="3022174"/>
+          </a:xfrm>
+          <a:prstGeom prst="rect">
+            <a:avLst/>
+          </a:prstGeom>
+        </p:spPr>
+        <p:txBody>
+          <a:bodyPr wrap="square">
+            <a:spAutoFit/>
+          </a:bodyPr>
+          <a:lstStyle/>
+          <a:p>
+            <a:pPr marL="285750" indent="-285750" defTabSz="342900">
+              <a:lnSpc>
+                <a:spcPts val="2160"/>
+              </a:lnSpc>
+              <a:spcAft>
+                <a:spcPts val="900"/>
+              </a:spcAft>
+              <a:buClr>
+                <a:srgbClr val="A27E55"/>
+              </a:buClr>
+              <a:buFont typeface="Wingdings" pitchFamily="2" charset="2"/>
+              <a:buChar char="§"/>
+            </a:pPr>
+            <a:r>
+              <a:rPr lang="en-US" sz="1800" dirty="0">
+                <a:solidFill>
+                  <a:srgbClr val="6E6E6E"/>
+                </a:solidFill>
+                <a:latin typeface="Helvetica"/>
+              </a:rPr>
+              <a:t>GDAL is a set of software tools that translate between almost any geospatial format in common use today (and some not so common ones). </a:t>
+            </a:r>
+          </a:p>
+          <a:p>
+            <a:pPr marL="285750" indent="-285750" defTabSz="342900">
+              <a:lnSpc>
+                <a:spcPts val="2160"/>
+              </a:lnSpc>
+              <a:spcAft>
+                <a:spcPts val="900"/>
+              </a:spcAft>
+              <a:buClr>
+                <a:srgbClr val="A27E55"/>
+              </a:buClr>
+              <a:buFont typeface="Wingdings" pitchFamily="2" charset="2"/>
+              <a:buChar char="§"/>
+            </a:pPr>
+            <a:r>
+              <a:rPr lang="en-US" sz="1800" dirty="0">
+                <a:solidFill>
+                  <a:srgbClr val="6E6E6E"/>
+                </a:solidFill>
+                <a:latin typeface="Helvetica"/>
+              </a:rPr>
+              <a:t>GDAL also contains tools for editing and manipulating both raster and vector files, including </a:t>
+            </a:r>
+            <a:r>
+              <a:rPr lang="en-US" sz="1800" dirty="0" err="1">
+                <a:solidFill>
+                  <a:srgbClr val="6E6E6E"/>
+                </a:solidFill>
+                <a:latin typeface="Helvetica"/>
+              </a:rPr>
+              <a:t>reprojecting</a:t>
+            </a:r>
+            <a:r>
+              <a:rPr lang="en-US" sz="1800" dirty="0">
+                <a:solidFill>
+                  <a:srgbClr val="6E6E6E"/>
+                </a:solidFill>
+                <a:latin typeface="Helvetica"/>
+              </a:rPr>
+              <a:t> data to different CRSs. </a:t>
+            </a:r>
+          </a:p>
+        </p:txBody>
+      </p:sp>
+      <p:pic>
+        <p:nvPicPr>
+          <p:cNvPr id="6" name="Picture 5" descr="A picture containing drawing&#10;&#10;Description automatically generated">
+            <a:extLst>
+              <a:ext uri="{FF2B5EF4-FFF2-40B4-BE49-F238E27FC236}">
+                <a16:creationId xmlns:a16="http://schemas.microsoft.com/office/drawing/2014/main" id="{C7D7F233-52E9-2945-B09A-F9858BCF24DA}"/>
+              </a:ext>
+            </a:extLst>
+          </p:cNvPr>
+          <p:cNvPicPr>
+            <a:picLocks noChangeAspect="1"/>
+          </p:cNvPicPr>
+          <p:nvPr/>
+        </p:nvPicPr>
+        <p:blipFill>
+          <a:blip r:embed="rId2">
+            <a:extLst>
+              <a:ext uri="{28A0092B-C50C-407E-A947-70E740481C1C}">
+                <a14:useLocalDpi xmlns:a14="http://schemas.microsoft.com/office/drawing/2010/main" val="0"/>
+              </a:ext>
+            </a:extLst>
+          </a:blip>
+          <a:stretch>
+            <a:fillRect/>
+          </a:stretch>
+        </p:blipFill>
+        <p:spPr>
+          <a:xfrm>
+            <a:off x="6067191" y="1213368"/>
+            <a:ext cx="1841500" cy="1562100"/>
+          </a:xfrm>
+          <a:prstGeom prst="rect">
+            <a:avLst/>
+          </a:prstGeom>
+        </p:spPr>
+      </p:pic>
+      <p:sp>
+        <p:nvSpPr>
+          <p:cNvPr id="8" name="TextBox 7">
+            <a:extLst>
+              <a:ext uri="{FF2B5EF4-FFF2-40B4-BE49-F238E27FC236}">
+                <a16:creationId xmlns:a16="http://schemas.microsoft.com/office/drawing/2014/main" id="{E46B51D2-EB4F-534F-B95D-5646DACEA912}"/>
+              </a:ext>
+            </a:extLst>
+          </p:cNvPr>
+          <p:cNvSpPr txBox="1"/>
+          <p:nvPr/>
+        </p:nvSpPr>
+        <p:spPr>
+          <a:xfrm>
+            <a:off x="6497052" y="2775468"/>
+            <a:ext cx="1264898" cy="738664"/>
+          </a:xfrm>
+          <a:prstGeom prst="rect">
+            <a:avLst/>
+          </a:prstGeom>
+        </p:spPr>
+        <p:txBody>
+          <a:bodyPr wrap="none" rtlCol="0">
+            <a:spAutoFit/>
+          </a:bodyPr>
+          <a:lstStyle/>
+          <a:p>
+            <a:r>
+              <a:rPr lang="en-US" dirty="0">
+                <a:hlinkClick r:id="rId3"/>
+              </a:rPr>
+              <a:t>http://gdal.org</a:t>
+            </a:r>
+            <a:endParaRPr lang="en-US" dirty="0"/>
+          </a:p>
+          <a:p>
+            <a:endParaRPr lang="en-US" dirty="0"/>
+          </a:p>
+          <a:p>
+            <a:endParaRPr lang="en-US" dirty="0"/>
+          </a:p>
+        </p:txBody>
+      </p:sp>
+    </p:spTree>
+    <p:extLst>
+      <p:ext uri="{BB962C8B-B14F-4D97-AF65-F5344CB8AC3E}">
+        <p14:creationId xmlns:p14="http://schemas.microsoft.com/office/powerpoint/2010/main" val="1302207702"/>
+      </p:ext>
+    </p:extLst>
+  </p:cSld>
+  <p:clrMapOvr>
+    <a:masterClrMapping/>
+  </p:clrMapOvr>
+</p:sld>
+</file>
+
+<file path=ppt/slides/slide13.xml><?xml version="1.0" encoding="utf-8"?>
+<p:sld xmlns:a="http://schemas.openxmlformats.org/drawingml/2006/main" xmlns:r="http://schemas.openxmlformats.org/officeDocument/2006/relationships" xmlns:p="http://schemas.openxmlformats.org/presentationml/2006/main">
+  <p:cSld>
+    <p:spTree>
+      <p:nvGrpSpPr>
+        <p:cNvPr id="1" name=""/>
+        <p:cNvGrpSpPr/>
+        <p:nvPr/>
+      </p:nvGrpSpPr>
+      <p:grpSpPr>
+        <a:xfrm>
+          <a:off x="0" y="0"/>
+          <a:ext cx="0" cy="0"/>
+          <a:chOff x="0" y="0"/>
+          <a:chExt cx="0" cy="0"/>
+        </a:xfrm>
+      </p:grpSpPr>
+      <p:sp>
+        <p:nvSpPr>
+          <p:cNvPr id="2" name="Title 1">
+            <a:extLst>
+              <a:ext uri="{FF2B5EF4-FFF2-40B4-BE49-F238E27FC236}">
+                <a16:creationId xmlns:a16="http://schemas.microsoft.com/office/drawing/2014/main" id="{012322C8-7E00-364B-ADFB-9F14A7CD7D58}"/>
+              </a:ext>
+            </a:extLst>
+          </p:cNvPr>
+          <p:cNvSpPr>
+            <a:spLocks noGrp="1"/>
+          </p:cNvSpPr>
+          <p:nvPr>
+            <p:ph type="title"/>
+          </p:nvPr>
+        </p:nvSpPr>
+        <p:spPr/>
+        <p:txBody>
+          <a:bodyPr/>
+          <a:lstStyle/>
+          <a:p>
+            <a:r>
+              <a:rPr lang="en-US" dirty="0"/>
+              <a:t>GEOSPATIAL LANDSCAPE</a:t>
+            </a:r>
+          </a:p>
+        </p:txBody>
+      </p:sp>
+      <p:sp>
+        <p:nvSpPr>
+          <p:cNvPr id="7" name="Text Placeholder 2">
+            <a:extLst>
+              <a:ext uri="{FF2B5EF4-FFF2-40B4-BE49-F238E27FC236}">
+                <a16:creationId xmlns:a16="http://schemas.microsoft.com/office/drawing/2014/main" id="{43265DD6-B627-7242-B878-C522E951F70C}"/>
+              </a:ext>
+            </a:extLst>
+          </p:cNvPr>
+          <p:cNvSpPr>
+            <a:spLocks noGrp="1"/>
+          </p:cNvSpPr>
+          <p:nvPr>
+            <p:ph type="body" sz="quarter" idx="10"/>
+          </p:nvPr>
+        </p:nvSpPr>
+        <p:spPr>
+          <a:xfrm>
+            <a:off x="337759" y="292626"/>
+            <a:ext cx="6082291" cy="279834"/>
+          </a:xfrm>
+        </p:spPr>
+        <p:txBody>
+          <a:bodyPr/>
+          <a:lstStyle/>
+          <a:p>
+            <a:r>
+              <a:rPr lang="en-US" dirty="0"/>
+              <a:t>4. Intro to Geospatial Concepts – Geospatial Landscape</a:t>
+            </a:r>
+          </a:p>
+        </p:txBody>
+      </p:sp>
+      <p:sp>
+        <p:nvSpPr>
+          <p:cNvPr id="5" name="Rectangle 4">
+            <a:extLst>
+              <a:ext uri="{FF2B5EF4-FFF2-40B4-BE49-F238E27FC236}">
+                <a16:creationId xmlns:a16="http://schemas.microsoft.com/office/drawing/2014/main" id="{1403457B-6E36-6C45-A2B2-385C3C3A08CB}"/>
+              </a:ext>
+            </a:extLst>
+          </p:cNvPr>
+          <p:cNvSpPr/>
+          <p:nvPr/>
+        </p:nvSpPr>
+        <p:spPr>
+          <a:xfrm>
+            <a:off x="733125" y="1572390"/>
+            <a:ext cx="2115934" cy="1560235"/>
+          </a:xfrm>
+          <a:prstGeom prst="rect">
+            <a:avLst/>
+          </a:prstGeom>
+        </p:spPr>
+        <p:txBody>
+          <a:bodyPr wrap="square">
+            <a:spAutoFit/>
+          </a:bodyPr>
+          <a:lstStyle/>
+          <a:p>
+            <a:pPr marL="285750" indent="-285750" defTabSz="342900">
+              <a:lnSpc>
+                <a:spcPts val="2160"/>
+              </a:lnSpc>
+              <a:spcAft>
+                <a:spcPts val="900"/>
+              </a:spcAft>
+              <a:buClr>
+                <a:srgbClr val="A27E55"/>
+              </a:buClr>
+              <a:buFont typeface="Wingdings" pitchFamily="2" charset="2"/>
+              <a:buChar char="§"/>
+            </a:pPr>
+            <a:r>
+              <a:rPr lang="en-US" sz="1800" dirty="0">
+                <a:solidFill>
+                  <a:srgbClr val="6E6E6E"/>
+                </a:solidFill>
+                <a:latin typeface="Helvetica"/>
+              </a:rPr>
+              <a:t>ESRI</a:t>
+            </a:r>
+          </a:p>
+          <a:p>
+            <a:pPr marL="285750" indent="-285750" defTabSz="342900">
+              <a:lnSpc>
+                <a:spcPts val="2160"/>
+              </a:lnSpc>
+              <a:spcAft>
+                <a:spcPts val="900"/>
+              </a:spcAft>
+              <a:buClr>
+                <a:srgbClr val="A27E55"/>
+              </a:buClr>
+              <a:buFont typeface="Wingdings" pitchFamily="2" charset="2"/>
+              <a:buChar char="§"/>
+            </a:pPr>
+            <a:r>
+              <a:rPr lang="en-US" sz="1800" dirty="0">
+                <a:solidFill>
+                  <a:srgbClr val="6E6E6E"/>
+                </a:solidFill>
+                <a:latin typeface="Helvetica"/>
+              </a:rPr>
+              <a:t>MAPINFO</a:t>
+            </a:r>
+          </a:p>
+          <a:p>
+            <a:pPr marL="285750" indent="-285750" defTabSz="342900">
+              <a:lnSpc>
+                <a:spcPts val="2160"/>
+              </a:lnSpc>
+              <a:spcAft>
+                <a:spcPts val="900"/>
+              </a:spcAft>
+              <a:buClr>
+                <a:srgbClr val="A27E55"/>
+              </a:buClr>
+              <a:buFont typeface="Wingdings" pitchFamily="2" charset="2"/>
+              <a:buChar char="§"/>
+            </a:pPr>
+            <a:r>
+              <a:rPr lang="en-US" sz="1800" dirty="0">
+                <a:solidFill>
+                  <a:srgbClr val="6E6E6E"/>
+                </a:solidFill>
+                <a:latin typeface="Helvetica"/>
+              </a:rPr>
+              <a:t>Manifold</a:t>
+            </a:r>
+          </a:p>
+          <a:p>
+            <a:pPr marL="285750" indent="-285750" defTabSz="342900">
+              <a:lnSpc>
+                <a:spcPts val="2160"/>
+              </a:lnSpc>
+              <a:spcAft>
+                <a:spcPts val="900"/>
+              </a:spcAft>
+              <a:buClr>
+                <a:srgbClr val="A27E55"/>
+              </a:buClr>
+              <a:buFont typeface="Wingdings" pitchFamily="2" charset="2"/>
+              <a:buChar char="§"/>
+            </a:pPr>
+            <a:r>
+              <a:rPr lang="en-US" sz="1800" dirty="0" err="1">
+                <a:solidFill>
+                  <a:srgbClr val="6E6E6E"/>
+                </a:solidFill>
+                <a:latin typeface="Helvetica"/>
+              </a:rPr>
+              <a:t>Smallworld</a:t>
+            </a:r>
+            <a:endParaRPr lang="en-US" sz="1800" dirty="0">
+              <a:solidFill>
+                <a:srgbClr val="6E6E6E"/>
+              </a:solidFill>
+              <a:latin typeface="Helvetica"/>
+            </a:endParaRPr>
+          </a:p>
+        </p:txBody>
+      </p:sp>
+      <p:sp>
+        <p:nvSpPr>
+          <p:cNvPr id="6" name="Rectangle 5">
+            <a:extLst>
+              <a:ext uri="{FF2B5EF4-FFF2-40B4-BE49-F238E27FC236}">
+                <a16:creationId xmlns:a16="http://schemas.microsoft.com/office/drawing/2014/main" id="{4DA89229-C9DF-4445-AE37-204031D8D8B0}"/>
+              </a:ext>
+            </a:extLst>
+          </p:cNvPr>
+          <p:cNvSpPr/>
+          <p:nvPr/>
+        </p:nvSpPr>
+        <p:spPr>
+          <a:xfrm>
+            <a:off x="6294943" y="1572390"/>
+            <a:ext cx="2637302" cy="1560235"/>
+          </a:xfrm>
+          <a:prstGeom prst="rect">
+            <a:avLst/>
+          </a:prstGeom>
+        </p:spPr>
+        <p:txBody>
+          <a:bodyPr wrap="square">
+            <a:spAutoFit/>
+          </a:bodyPr>
+          <a:lstStyle/>
+          <a:p>
+            <a:pPr marL="285750" indent="-285750" defTabSz="342900">
+              <a:lnSpc>
+                <a:spcPts val="2160"/>
+              </a:lnSpc>
+              <a:spcAft>
+                <a:spcPts val="900"/>
+              </a:spcAft>
+              <a:buClr>
+                <a:srgbClr val="A27E55"/>
+              </a:buClr>
+              <a:buFont typeface="Wingdings" pitchFamily="2" charset="2"/>
+              <a:buChar char="§"/>
+            </a:pPr>
+            <a:r>
+              <a:rPr lang="en-US" sz="1800" dirty="0">
+                <a:solidFill>
+                  <a:srgbClr val="6E6E6E"/>
+                </a:solidFill>
+                <a:latin typeface="Helvetica"/>
+              </a:rPr>
+              <a:t>QGIS</a:t>
+            </a:r>
+          </a:p>
+          <a:p>
+            <a:pPr marL="285750" indent="-285750" defTabSz="342900">
+              <a:lnSpc>
+                <a:spcPts val="2160"/>
+              </a:lnSpc>
+              <a:spcAft>
+                <a:spcPts val="900"/>
+              </a:spcAft>
+              <a:buClr>
+                <a:srgbClr val="A27E55"/>
+              </a:buClr>
+              <a:buFont typeface="Wingdings" pitchFamily="2" charset="2"/>
+              <a:buChar char="§"/>
+            </a:pPr>
+            <a:r>
+              <a:rPr lang="en-US" sz="1800" dirty="0">
+                <a:solidFill>
+                  <a:srgbClr val="6E6E6E"/>
+                </a:solidFill>
+                <a:latin typeface="Helvetica"/>
+              </a:rPr>
+              <a:t>GRASS</a:t>
+            </a:r>
+          </a:p>
+          <a:p>
+            <a:pPr marL="285750" indent="-285750" defTabSz="342900">
+              <a:lnSpc>
+                <a:spcPts val="2160"/>
+              </a:lnSpc>
+              <a:spcAft>
+                <a:spcPts val="900"/>
+              </a:spcAft>
+              <a:buClr>
+                <a:srgbClr val="A27E55"/>
+              </a:buClr>
+              <a:buFont typeface="Wingdings" pitchFamily="2" charset="2"/>
+              <a:buChar char="§"/>
+            </a:pPr>
+            <a:r>
+              <a:rPr lang="en-US" sz="1800" dirty="0">
+                <a:solidFill>
+                  <a:srgbClr val="6E6E6E"/>
+                </a:solidFill>
+                <a:latin typeface="Helvetica"/>
+              </a:rPr>
+              <a:t>GDAL</a:t>
+            </a:r>
+          </a:p>
+          <a:p>
+            <a:pPr marL="285750" indent="-285750" defTabSz="342900">
+              <a:lnSpc>
+                <a:spcPts val="2160"/>
+              </a:lnSpc>
+              <a:spcAft>
+                <a:spcPts val="900"/>
+              </a:spcAft>
+              <a:buClr>
+                <a:srgbClr val="A27E55"/>
+              </a:buClr>
+              <a:buFont typeface="Wingdings" pitchFamily="2" charset="2"/>
+              <a:buChar char="§"/>
+            </a:pPr>
+            <a:r>
+              <a:rPr lang="en-US" sz="1800" dirty="0" err="1">
+                <a:solidFill>
+                  <a:srgbClr val="6E6E6E"/>
+                </a:solidFill>
+                <a:latin typeface="Helvetica"/>
+              </a:rPr>
+              <a:t>PostGIS</a:t>
+            </a:r>
+            <a:r>
+              <a:rPr lang="en-US" sz="1800" dirty="0">
+                <a:solidFill>
+                  <a:srgbClr val="6E6E6E"/>
+                </a:solidFill>
+                <a:latin typeface="Helvetica"/>
+              </a:rPr>
+              <a:t>/Postgres</a:t>
+            </a:r>
+          </a:p>
+        </p:txBody>
+      </p:sp>
+      <p:sp>
+        <p:nvSpPr>
+          <p:cNvPr id="8" name="Rectangle 7">
+            <a:extLst>
+              <a:ext uri="{FF2B5EF4-FFF2-40B4-BE49-F238E27FC236}">
+                <a16:creationId xmlns:a16="http://schemas.microsoft.com/office/drawing/2014/main" id="{FE53C640-2DE0-C743-BA62-DB7274A308DC}"/>
+              </a:ext>
+            </a:extLst>
+          </p:cNvPr>
+          <p:cNvSpPr/>
+          <p:nvPr/>
+        </p:nvSpPr>
+        <p:spPr>
+          <a:xfrm>
+            <a:off x="3378904" y="3351396"/>
+            <a:ext cx="2637302" cy="765146"/>
+          </a:xfrm>
+          <a:prstGeom prst="rect">
+            <a:avLst/>
+          </a:prstGeom>
+        </p:spPr>
+        <p:txBody>
+          <a:bodyPr wrap="square">
+            <a:spAutoFit/>
+          </a:bodyPr>
+          <a:lstStyle/>
+          <a:p>
+            <a:pPr marL="285750" indent="-285750" defTabSz="342900">
+              <a:lnSpc>
+                <a:spcPts val="2160"/>
+              </a:lnSpc>
+              <a:spcAft>
+                <a:spcPts val="900"/>
+              </a:spcAft>
+              <a:buClr>
+                <a:srgbClr val="A27E55"/>
+              </a:buClr>
+              <a:buFont typeface="Wingdings" pitchFamily="2" charset="2"/>
+              <a:buChar char="§"/>
+            </a:pPr>
+            <a:r>
+              <a:rPr lang="en-US" sz="1800" dirty="0">
+                <a:solidFill>
+                  <a:srgbClr val="6E6E6E"/>
+                </a:solidFill>
+                <a:latin typeface="Helvetica"/>
+              </a:rPr>
+              <a:t>Google Earth Engine</a:t>
+            </a:r>
+          </a:p>
+          <a:p>
+            <a:pPr marL="285750" indent="-285750" defTabSz="342900">
+              <a:lnSpc>
+                <a:spcPts val="2160"/>
+              </a:lnSpc>
+              <a:spcAft>
+                <a:spcPts val="900"/>
+              </a:spcAft>
+              <a:buClr>
+                <a:srgbClr val="A27E55"/>
+              </a:buClr>
+              <a:buFont typeface="Wingdings" pitchFamily="2" charset="2"/>
+              <a:buChar char="§"/>
+            </a:pPr>
+            <a:r>
+              <a:rPr lang="en-US" sz="1800" dirty="0">
+                <a:solidFill>
+                  <a:srgbClr val="6E6E6E"/>
+                </a:solidFill>
+                <a:latin typeface="Helvetica"/>
+              </a:rPr>
+              <a:t>ArcGIS Online</a:t>
+            </a:r>
+          </a:p>
+        </p:txBody>
+      </p:sp>
+      <p:sp>
+        <p:nvSpPr>
+          <p:cNvPr id="4" name="TextBox 3">
+            <a:extLst>
+              <a:ext uri="{FF2B5EF4-FFF2-40B4-BE49-F238E27FC236}">
+                <a16:creationId xmlns:a16="http://schemas.microsoft.com/office/drawing/2014/main" id="{F869FCCC-0771-7147-9697-7AB782D59A28}"/>
+              </a:ext>
+            </a:extLst>
+          </p:cNvPr>
+          <p:cNvSpPr txBox="1"/>
+          <p:nvPr/>
+        </p:nvSpPr>
+        <p:spPr>
+          <a:xfrm>
+            <a:off x="6420050" y="1164455"/>
+            <a:ext cx="1595309" cy="367665"/>
+          </a:xfrm>
+          <a:prstGeom prst="rect">
+            <a:avLst/>
+          </a:prstGeom>
+        </p:spPr>
+        <p:txBody>
+          <a:bodyPr wrap="none" rtlCol="0">
+            <a:spAutoFit/>
+          </a:bodyPr>
+          <a:lstStyle/>
+          <a:p>
+            <a:pPr defTabSz="342900">
+              <a:lnSpc>
+                <a:spcPts val="2160"/>
+              </a:lnSpc>
+              <a:spcAft>
+                <a:spcPts val="900"/>
+              </a:spcAft>
+              <a:buClr>
+                <a:srgbClr val="A27E55"/>
+              </a:buClr>
+            </a:pPr>
+            <a:r>
+              <a:rPr lang="en-US" sz="1800" b="1" dirty="0">
+                <a:solidFill>
+                  <a:srgbClr val="6E6E6E"/>
+                </a:solidFill>
+                <a:latin typeface="Helvetica"/>
+              </a:rPr>
+              <a:t>Open source</a:t>
+            </a:r>
+          </a:p>
+        </p:txBody>
+      </p:sp>
+      <p:sp>
+        <p:nvSpPr>
+          <p:cNvPr id="10" name="TextBox 9">
+            <a:extLst>
+              <a:ext uri="{FF2B5EF4-FFF2-40B4-BE49-F238E27FC236}">
+                <a16:creationId xmlns:a16="http://schemas.microsoft.com/office/drawing/2014/main" id="{911354A4-9C2A-CF41-BDFE-F1DC716B2DF1}"/>
+              </a:ext>
+            </a:extLst>
+          </p:cNvPr>
+          <p:cNvSpPr txBox="1"/>
+          <p:nvPr/>
+        </p:nvSpPr>
+        <p:spPr>
+          <a:xfrm>
+            <a:off x="684122" y="1164455"/>
+            <a:ext cx="1505540" cy="367665"/>
+          </a:xfrm>
+          <a:prstGeom prst="rect">
+            <a:avLst/>
+          </a:prstGeom>
+        </p:spPr>
+        <p:txBody>
+          <a:bodyPr wrap="none" rtlCol="0">
+            <a:spAutoFit/>
+          </a:bodyPr>
+          <a:lstStyle/>
+          <a:p>
+            <a:pPr defTabSz="342900">
+              <a:lnSpc>
+                <a:spcPts val="2160"/>
+              </a:lnSpc>
+              <a:spcAft>
+                <a:spcPts val="900"/>
+              </a:spcAft>
+              <a:buClr>
+                <a:srgbClr val="A27E55"/>
+              </a:buClr>
+            </a:pPr>
+            <a:r>
+              <a:rPr lang="en-US" sz="1800" b="1" dirty="0">
+                <a:solidFill>
+                  <a:srgbClr val="6E6E6E"/>
+                </a:solidFill>
+                <a:latin typeface="Helvetica"/>
+              </a:rPr>
+              <a:t>Commercial</a:t>
+            </a:r>
+          </a:p>
+        </p:txBody>
+      </p:sp>
+      <p:sp>
+        <p:nvSpPr>
+          <p:cNvPr id="11" name="TextBox 10">
+            <a:extLst>
+              <a:ext uri="{FF2B5EF4-FFF2-40B4-BE49-F238E27FC236}">
+                <a16:creationId xmlns:a16="http://schemas.microsoft.com/office/drawing/2014/main" id="{A71B5207-1D82-B145-9847-7767151F9C03}"/>
+              </a:ext>
+            </a:extLst>
+          </p:cNvPr>
+          <p:cNvSpPr txBox="1"/>
+          <p:nvPr/>
+        </p:nvSpPr>
+        <p:spPr>
+          <a:xfrm>
+            <a:off x="3917814" y="2978736"/>
+            <a:ext cx="838691" cy="369332"/>
+          </a:xfrm>
+          <a:prstGeom prst="rect">
+            <a:avLst/>
+          </a:prstGeom>
+        </p:spPr>
+        <p:txBody>
+          <a:bodyPr wrap="none" rtlCol="0">
+            <a:spAutoFit/>
+          </a:bodyPr>
+          <a:lstStyle/>
+          <a:p>
+            <a:r>
+              <a:rPr lang="en-US" sz="1800" b="1" dirty="0">
+                <a:solidFill>
+                  <a:srgbClr val="6E6E6E"/>
+                </a:solidFill>
+                <a:latin typeface="Helvetica"/>
+              </a:rPr>
+              <a:t>Cloud</a:t>
+            </a:r>
+          </a:p>
+        </p:txBody>
+      </p:sp>
+    </p:spTree>
+    <p:extLst>
+      <p:ext uri="{BB962C8B-B14F-4D97-AF65-F5344CB8AC3E}">
+        <p14:creationId xmlns:p14="http://schemas.microsoft.com/office/powerpoint/2010/main" val="1811145013"/>
+      </p:ext>
+    </p:extLst>
+  </p:cSld>
+  <p:clrMapOvr>
+    <a:masterClrMapping/>
+  </p:clrMapOvr>
+</p:sld>
+</file>
+
+<file path=ppt/slides/slide14.xml><?xml version="1.0" encoding="utf-8"?>
+<p:sld xmlns:a="http://schemas.openxmlformats.org/drawingml/2006/main" xmlns:r="http://schemas.openxmlformats.org/officeDocument/2006/relationships" xmlns:p="http://schemas.openxmlformats.org/presentationml/2006/main">
+  <p:cSld>
+    <p:spTree>
+      <p:nvGrpSpPr>
+        <p:cNvPr id="1" name=""/>
+        <p:cNvGrpSpPr/>
+        <p:nvPr/>
+      </p:nvGrpSpPr>
+      <p:grpSpPr>
+        <a:xfrm>
+          <a:off x="0" y="0"/>
+          <a:ext cx="0" cy="0"/>
+          <a:chOff x="0" y="0"/>
+          <a:chExt cx="0" cy="0"/>
+        </a:xfrm>
+      </p:grpSpPr>
+      <p:sp>
+        <p:nvSpPr>
+          <p:cNvPr id="2" name="Title 1">
+            <a:extLst>
+              <a:ext uri="{FF2B5EF4-FFF2-40B4-BE49-F238E27FC236}">
+                <a16:creationId xmlns:a16="http://schemas.microsoft.com/office/drawing/2014/main" id="{012322C8-7E00-364B-ADFB-9F14A7CD7D58}"/>
+              </a:ext>
+            </a:extLst>
+          </p:cNvPr>
+          <p:cNvSpPr>
+            <a:spLocks noGrp="1"/>
+          </p:cNvSpPr>
+          <p:nvPr>
+            <p:ph type="title"/>
+          </p:nvPr>
+        </p:nvSpPr>
+        <p:spPr/>
+        <p:txBody>
+          <a:bodyPr/>
+          <a:lstStyle/>
+          <a:p>
+            <a:r>
+              <a:rPr lang="en-US" dirty="0"/>
+              <a:t>GEOSPATIAL LANDSCAPE</a:t>
+            </a:r>
+          </a:p>
+        </p:txBody>
+      </p:sp>
+      <p:sp>
+        <p:nvSpPr>
+          <p:cNvPr id="7" name="Text Placeholder 2">
+            <a:extLst>
+              <a:ext uri="{FF2B5EF4-FFF2-40B4-BE49-F238E27FC236}">
+                <a16:creationId xmlns:a16="http://schemas.microsoft.com/office/drawing/2014/main" id="{43265DD6-B627-7242-B878-C522E951F70C}"/>
+              </a:ext>
+            </a:extLst>
+          </p:cNvPr>
+          <p:cNvSpPr>
+            <a:spLocks noGrp="1"/>
+          </p:cNvSpPr>
+          <p:nvPr>
+            <p:ph type="body" sz="quarter" idx="10"/>
+          </p:nvPr>
+        </p:nvSpPr>
+        <p:spPr>
+          <a:xfrm>
+            <a:off x="337759" y="292626"/>
+            <a:ext cx="6082291" cy="279834"/>
+          </a:xfrm>
+        </p:spPr>
+        <p:txBody>
+          <a:bodyPr/>
+          <a:lstStyle/>
+          <a:p>
+            <a:r>
+              <a:rPr lang="en-US" dirty="0"/>
+              <a:t>4. Intro to Geospatial Concepts – Geospatial Landscape</a:t>
+            </a:r>
+          </a:p>
+        </p:txBody>
+      </p:sp>
+      <p:sp>
+        <p:nvSpPr>
+          <p:cNvPr id="10" name="TextBox 9">
+            <a:extLst>
+              <a:ext uri="{FF2B5EF4-FFF2-40B4-BE49-F238E27FC236}">
+                <a16:creationId xmlns:a16="http://schemas.microsoft.com/office/drawing/2014/main" id="{911354A4-9C2A-CF41-BDFE-F1DC716B2DF1}"/>
+              </a:ext>
+            </a:extLst>
+          </p:cNvPr>
+          <p:cNvSpPr txBox="1"/>
+          <p:nvPr/>
+        </p:nvSpPr>
+        <p:spPr>
+          <a:xfrm>
+            <a:off x="330851" y="1394056"/>
+            <a:ext cx="8541762" cy="2355388"/>
+          </a:xfrm>
+          <a:prstGeom prst="rect">
+            <a:avLst/>
+          </a:prstGeom>
+        </p:spPr>
+        <p:txBody>
+          <a:bodyPr wrap="none" rtlCol="0">
+            <a:spAutoFit/>
+          </a:bodyPr>
+          <a:lstStyle/>
+          <a:p>
+            <a:pPr defTabSz="342900">
+              <a:lnSpc>
+                <a:spcPts val="2160"/>
+              </a:lnSpc>
+              <a:spcAft>
+                <a:spcPts val="900"/>
+              </a:spcAft>
+              <a:buClr>
+                <a:srgbClr val="A27E55"/>
+              </a:buClr>
+            </a:pPr>
+            <a:r>
+              <a:rPr lang="en-US" sz="1800" b="1" dirty="0">
+                <a:solidFill>
+                  <a:srgbClr val="6E6E6E"/>
+                </a:solidFill>
+                <a:latin typeface="Helvetica"/>
+              </a:rPr>
+              <a:t>Geospatial Libraries: R: sf, </a:t>
+            </a:r>
+            <a:r>
+              <a:rPr lang="en-US" sz="1800" b="1" dirty="0" err="1">
+                <a:solidFill>
+                  <a:srgbClr val="6E6E6E"/>
+                </a:solidFill>
+                <a:latin typeface="Helvetica"/>
+              </a:rPr>
+              <a:t>sp</a:t>
+            </a:r>
+            <a:r>
+              <a:rPr lang="en-US" sz="1800" b="1" dirty="0">
+                <a:solidFill>
+                  <a:srgbClr val="6E6E6E"/>
+                </a:solidFill>
+                <a:latin typeface="Helvetica"/>
+              </a:rPr>
+              <a:t>, </a:t>
+            </a:r>
+            <a:r>
+              <a:rPr lang="en-US" sz="1800" b="1" dirty="0" err="1">
+                <a:solidFill>
+                  <a:srgbClr val="6E6E6E"/>
+                </a:solidFill>
+                <a:latin typeface="Helvetica"/>
+              </a:rPr>
+              <a:t>gdal</a:t>
+            </a:r>
+            <a:r>
+              <a:rPr lang="en-US" sz="1800" b="1" dirty="0">
+                <a:solidFill>
+                  <a:srgbClr val="6E6E6E"/>
+                </a:solidFill>
+                <a:latin typeface="Helvetica"/>
+              </a:rPr>
+              <a:t>, </a:t>
+            </a:r>
+            <a:r>
+              <a:rPr lang="en-US" sz="1800" b="1" dirty="0" err="1">
+                <a:solidFill>
+                  <a:srgbClr val="6E6E6E"/>
+                </a:solidFill>
+                <a:latin typeface="Helvetica"/>
+              </a:rPr>
+              <a:t>spplot</a:t>
+            </a:r>
+            <a:r>
+              <a:rPr lang="en-US" sz="1800" b="1" dirty="0">
+                <a:solidFill>
+                  <a:srgbClr val="6E6E6E"/>
+                </a:solidFill>
+                <a:latin typeface="Helvetica"/>
+              </a:rPr>
+              <a:t>, leaflet, spacetime, ncdf4</a:t>
+            </a:r>
+          </a:p>
+          <a:p>
+            <a:pPr defTabSz="342900">
+              <a:lnSpc>
+                <a:spcPts val="2160"/>
+              </a:lnSpc>
+              <a:spcAft>
+                <a:spcPts val="900"/>
+              </a:spcAft>
+              <a:buClr>
+                <a:srgbClr val="A27E55"/>
+              </a:buClr>
+            </a:pPr>
+            <a:r>
+              <a:rPr lang="en-US" sz="1800" b="1" dirty="0">
+                <a:solidFill>
+                  <a:srgbClr val="6E6E6E"/>
+                </a:solidFill>
+                <a:latin typeface="Helvetica"/>
+              </a:rPr>
+              <a:t>Geospatial Libraries: Python: shapely, </a:t>
+            </a:r>
+            <a:r>
+              <a:rPr lang="en-US" sz="1800" b="1" dirty="0" err="1">
+                <a:solidFill>
+                  <a:srgbClr val="6E6E6E"/>
+                </a:solidFill>
+                <a:latin typeface="Helvetica"/>
+              </a:rPr>
+              <a:t>geopandas</a:t>
+            </a:r>
+            <a:r>
+              <a:rPr lang="en-US" sz="1800" b="1" dirty="0">
+                <a:solidFill>
+                  <a:srgbClr val="6E6E6E"/>
+                </a:solidFill>
+                <a:latin typeface="Helvetica"/>
+              </a:rPr>
+              <a:t>, </a:t>
+            </a:r>
+            <a:r>
+              <a:rPr lang="en-US" sz="1800" b="1" dirty="0" err="1">
+                <a:solidFill>
+                  <a:srgbClr val="6E6E6E"/>
+                </a:solidFill>
+                <a:latin typeface="Helvetica"/>
+              </a:rPr>
+              <a:t>rasterio</a:t>
+            </a:r>
+            <a:r>
+              <a:rPr lang="en-US" sz="1800" b="1" dirty="0">
+                <a:solidFill>
+                  <a:srgbClr val="6E6E6E"/>
+                </a:solidFill>
+                <a:latin typeface="Helvetica"/>
+              </a:rPr>
+              <a:t>, </a:t>
+            </a:r>
+            <a:r>
+              <a:rPr lang="en-US" sz="1800" b="1" dirty="0" err="1">
+                <a:solidFill>
+                  <a:srgbClr val="6E6E6E"/>
+                </a:solidFill>
+                <a:latin typeface="Helvetica"/>
+              </a:rPr>
+              <a:t>gdal</a:t>
+            </a:r>
+            <a:r>
+              <a:rPr lang="en-US" sz="1800" b="1" dirty="0">
+                <a:solidFill>
+                  <a:srgbClr val="6E6E6E"/>
+                </a:solidFill>
+                <a:latin typeface="Helvetica"/>
+              </a:rPr>
+              <a:t>, </a:t>
+            </a:r>
+            <a:r>
+              <a:rPr lang="en-US" sz="1800" b="1" dirty="0" err="1">
+                <a:solidFill>
+                  <a:srgbClr val="6E6E6E"/>
+                </a:solidFill>
+                <a:latin typeface="Helvetica"/>
+              </a:rPr>
+              <a:t>rasterstats</a:t>
+            </a:r>
+            <a:endParaRPr lang="en-US" sz="1800" b="1" dirty="0">
+              <a:solidFill>
+                <a:srgbClr val="6E6E6E"/>
+              </a:solidFill>
+              <a:latin typeface="Helvetica"/>
+            </a:endParaRPr>
+          </a:p>
+          <a:p>
+            <a:pPr defTabSz="342900">
+              <a:lnSpc>
+                <a:spcPts val="2160"/>
+              </a:lnSpc>
+              <a:spcAft>
+                <a:spcPts val="900"/>
+              </a:spcAft>
+              <a:buClr>
+                <a:srgbClr val="A27E55"/>
+              </a:buClr>
+            </a:pPr>
+            <a:r>
+              <a:rPr lang="en-US" sz="1800" b="1" dirty="0">
+                <a:solidFill>
+                  <a:srgbClr val="6E6E6E"/>
+                </a:solidFill>
+                <a:latin typeface="Helvetica"/>
+              </a:rPr>
+              <a:t>Modeling: R: caret, </a:t>
+            </a:r>
+            <a:r>
+              <a:rPr lang="en-US" sz="1800" b="1" dirty="0" err="1">
+                <a:solidFill>
+                  <a:srgbClr val="6E6E6E"/>
+                </a:solidFill>
+                <a:latin typeface="Helvetica"/>
+              </a:rPr>
+              <a:t>mlr</a:t>
+            </a:r>
+            <a:endParaRPr lang="en-US" sz="1800" b="1" dirty="0">
+              <a:solidFill>
+                <a:srgbClr val="6E6E6E"/>
+              </a:solidFill>
+              <a:latin typeface="Helvetica"/>
+            </a:endParaRPr>
+          </a:p>
+          <a:p>
+            <a:pPr defTabSz="342900">
+              <a:lnSpc>
+                <a:spcPts val="2160"/>
+              </a:lnSpc>
+              <a:spcAft>
+                <a:spcPts val="900"/>
+              </a:spcAft>
+              <a:buClr>
+                <a:srgbClr val="A27E55"/>
+              </a:buClr>
+            </a:pPr>
+            <a:r>
+              <a:rPr lang="en-US" sz="1800" b="1" dirty="0">
+                <a:solidFill>
+                  <a:srgbClr val="6E6E6E"/>
+                </a:solidFill>
+                <a:latin typeface="Helvetica"/>
+              </a:rPr>
+              <a:t>Modeling: Python: </a:t>
+            </a:r>
+            <a:r>
+              <a:rPr lang="en-US" sz="1800" b="1" dirty="0" err="1">
+                <a:solidFill>
+                  <a:srgbClr val="6E6E6E"/>
+                </a:solidFill>
+                <a:latin typeface="Helvetica"/>
+              </a:rPr>
+              <a:t>tensorflow</a:t>
+            </a:r>
+            <a:r>
+              <a:rPr lang="en-US" sz="1800" b="1" dirty="0">
+                <a:solidFill>
+                  <a:srgbClr val="6E6E6E"/>
+                </a:solidFill>
+                <a:latin typeface="Helvetica"/>
+              </a:rPr>
+              <a:t>, </a:t>
+            </a:r>
+            <a:r>
+              <a:rPr lang="en-US" sz="1800" b="1" dirty="0" err="1">
+                <a:solidFill>
+                  <a:srgbClr val="6E6E6E"/>
+                </a:solidFill>
+                <a:latin typeface="Helvetica"/>
+              </a:rPr>
+              <a:t>keras</a:t>
+            </a:r>
+            <a:r>
+              <a:rPr lang="en-US" sz="1800" b="1" dirty="0">
+                <a:solidFill>
+                  <a:srgbClr val="6E6E6E"/>
+                </a:solidFill>
+                <a:latin typeface="Helvetica"/>
+              </a:rPr>
+              <a:t>, sci-kit learn, </a:t>
+            </a:r>
+            <a:r>
+              <a:rPr lang="en-US" sz="1800" b="1" dirty="0" err="1">
+                <a:solidFill>
+                  <a:srgbClr val="6E6E6E"/>
+                </a:solidFill>
+                <a:latin typeface="Helvetica"/>
+              </a:rPr>
+              <a:t>numpy</a:t>
+            </a:r>
+            <a:r>
+              <a:rPr lang="en-US" sz="1800" b="1" dirty="0">
+                <a:solidFill>
+                  <a:srgbClr val="6E6E6E"/>
+                </a:solidFill>
+                <a:latin typeface="Helvetica"/>
+              </a:rPr>
+              <a:t>/</a:t>
+            </a:r>
+            <a:r>
+              <a:rPr lang="en-US" sz="1800" b="1" dirty="0" err="1">
+                <a:solidFill>
+                  <a:srgbClr val="6E6E6E"/>
+                </a:solidFill>
+                <a:latin typeface="Helvetica"/>
+              </a:rPr>
+              <a:t>scipy</a:t>
+            </a:r>
+            <a:r>
+              <a:rPr lang="en-US" sz="1800" b="1" dirty="0">
+                <a:solidFill>
+                  <a:srgbClr val="6E6E6E"/>
+                </a:solidFill>
+                <a:latin typeface="Helvetica"/>
+              </a:rPr>
+              <a:t>, </a:t>
+            </a:r>
+            <a:r>
+              <a:rPr lang="en-US" sz="1800" b="1" dirty="0" err="1">
+                <a:solidFill>
+                  <a:srgbClr val="6E6E6E"/>
+                </a:solidFill>
+                <a:latin typeface="Helvetica"/>
+              </a:rPr>
+              <a:t>Pytorch</a:t>
+            </a:r>
+            <a:endParaRPr lang="en-US" sz="1800" b="1" dirty="0">
+              <a:solidFill>
+                <a:srgbClr val="6E6E6E"/>
+              </a:solidFill>
+              <a:latin typeface="Helvetica"/>
+            </a:endParaRPr>
+          </a:p>
+          <a:p>
+            <a:pPr defTabSz="342900">
+              <a:lnSpc>
+                <a:spcPts val="2160"/>
+              </a:lnSpc>
+              <a:spcAft>
+                <a:spcPts val="900"/>
+              </a:spcAft>
+              <a:buClr>
+                <a:srgbClr val="A27E55"/>
+              </a:buClr>
+            </a:pPr>
+            <a:r>
+              <a:rPr lang="en-US" sz="1800" b="1" dirty="0">
+                <a:solidFill>
+                  <a:srgbClr val="6E6E6E"/>
+                </a:solidFill>
+                <a:latin typeface="Helvetica"/>
+              </a:rPr>
+              <a:t>Visualization: R: ggplot2, </a:t>
+            </a:r>
+            <a:r>
+              <a:rPr lang="en-US" sz="1800" b="1" dirty="0" err="1">
+                <a:solidFill>
+                  <a:srgbClr val="6E6E6E"/>
+                </a:solidFill>
+                <a:latin typeface="Helvetica"/>
+              </a:rPr>
+              <a:t>ggpubr</a:t>
+            </a:r>
+            <a:r>
+              <a:rPr lang="en-US" sz="1800" b="1" dirty="0">
+                <a:solidFill>
+                  <a:srgbClr val="6E6E6E"/>
+                </a:solidFill>
+                <a:latin typeface="Helvetica"/>
+              </a:rPr>
+              <a:t>, seaborn, </a:t>
+            </a:r>
+            <a:r>
+              <a:rPr lang="en-US" sz="1800" b="1" dirty="0" err="1">
+                <a:solidFill>
+                  <a:srgbClr val="6E6E6E"/>
+                </a:solidFill>
+                <a:latin typeface="Helvetica"/>
+              </a:rPr>
+              <a:t>plotly</a:t>
+            </a:r>
+            <a:endParaRPr lang="en-US" sz="1800" b="1" dirty="0">
+              <a:solidFill>
+                <a:srgbClr val="6E6E6E"/>
+              </a:solidFill>
+              <a:latin typeface="Helvetica"/>
+            </a:endParaRPr>
+          </a:p>
+          <a:p>
+            <a:pPr defTabSz="342900">
+              <a:lnSpc>
+                <a:spcPts val="2160"/>
+              </a:lnSpc>
+              <a:spcAft>
+                <a:spcPts val="900"/>
+              </a:spcAft>
+              <a:buClr>
+                <a:srgbClr val="A27E55"/>
+              </a:buClr>
+            </a:pPr>
+            <a:r>
+              <a:rPr lang="en-US" sz="1800" b="1" dirty="0">
+                <a:solidFill>
+                  <a:srgbClr val="6E6E6E"/>
+                </a:solidFill>
+                <a:latin typeface="Helvetica"/>
+              </a:rPr>
+              <a:t>Visualization: Python: matplotlib</a:t>
+            </a:r>
+          </a:p>
+        </p:txBody>
+      </p:sp>
+      <p:sp>
+        <p:nvSpPr>
+          <p:cNvPr id="9" name="Rectangle 8">
+            <a:extLst>
+              <a:ext uri="{FF2B5EF4-FFF2-40B4-BE49-F238E27FC236}">
+                <a16:creationId xmlns:a16="http://schemas.microsoft.com/office/drawing/2014/main" id="{0A65FEDB-3218-114E-A50C-E4DFFA6A871F}"/>
+              </a:ext>
+            </a:extLst>
+          </p:cNvPr>
+          <p:cNvSpPr/>
+          <p:nvPr/>
+        </p:nvSpPr>
+        <p:spPr>
+          <a:xfrm>
+            <a:off x="2908719" y="3852026"/>
+            <a:ext cx="3827073" cy="523220"/>
+          </a:xfrm>
+          <a:prstGeom prst="rect">
+            <a:avLst/>
+          </a:prstGeom>
+        </p:spPr>
+        <p:txBody>
+          <a:bodyPr wrap="none">
+            <a:spAutoFit/>
+          </a:bodyPr>
+          <a:lstStyle/>
+          <a:p>
+            <a:r>
+              <a:rPr lang="en-US" dirty="0">
+                <a:hlinkClick r:id="rId2"/>
+              </a:rPr>
+              <a:t>https://cran.r-project.org/web/views/Spatial.html</a:t>
+            </a:r>
+            <a:endParaRPr lang="en-US" dirty="0"/>
+          </a:p>
+          <a:p>
+            <a:endParaRPr lang="en-US" dirty="0"/>
+          </a:p>
+        </p:txBody>
+      </p:sp>
+    </p:spTree>
+    <p:extLst>
+      <p:ext uri="{BB962C8B-B14F-4D97-AF65-F5344CB8AC3E}">
+        <p14:creationId xmlns:p14="http://schemas.microsoft.com/office/powerpoint/2010/main" val="3831314377"/>
+      </p:ext>
+    </p:extLst>
+  </p:cSld>
+  <p:clrMapOvr>
+    <a:masterClrMapping/>
+  </p:clrMapOvr>
+</p:sld>
+</file>
+
 <file path=ppt/slides/slide2.xml><?xml version="1.0" encoding="utf-8"?>
 <p:sld xmlns:a="http://schemas.openxmlformats.org/drawingml/2006/main" xmlns:r="http://schemas.openxmlformats.org/officeDocument/2006/relationships" xmlns:p="http://schemas.openxmlformats.org/presentationml/2006/main">
   <p:cSld>
@@ -3283,6 +5262,1276 @@
     <p:extLst>
       <p:ext uri="{BB962C8B-B14F-4D97-AF65-F5344CB8AC3E}">
         <p14:creationId xmlns:p14="http://schemas.microsoft.com/office/powerpoint/2010/main" val="1303048225"/>
+      </p:ext>
+    </p:extLst>
+  </p:cSld>
+  <p:clrMapOvr>
+    <a:masterClrMapping/>
+  </p:clrMapOvr>
+</p:sld>
+</file>
+
+<file path=ppt/slides/slide6.xml><?xml version="1.0" encoding="utf-8"?>
+<p:sld xmlns:a="http://schemas.openxmlformats.org/drawingml/2006/main" xmlns:r="http://schemas.openxmlformats.org/officeDocument/2006/relationships" xmlns:p="http://schemas.openxmlformats.org/presentationml/2006/main">
+  <p:cSld>
+    <p:spTree>
+      <p:nvGrpSpPr>
+        <p:cNvPr id="1" name=""/>
+        <p:cNvGrpSpPr/>
+        <p:nvPr/>
+      </p:nvGrpSpPr>
+      <p:grpSpPr>
+        <a:xfrm>
+          <a:off x="0" y="0"/>
+          <a:ext cx="0" cy="0"/>
+          <a:chOff x="0" y="0"/>
+          <a:chExt cx="0" cy="0"/>
+        </a:xfrm>
+      </p:grpSpPr>
+      <p:sp>
+        <p:nvSpPr>
+          <p:cNvPr id="2" name="Title 1">
+            <a:extLst>
+              <a:ext uri="{FF2B5EF4-FFF2-40B4-BE49-F238E27FC236}">
+                <a16:creationId xmlns:a16="http://schemas.microsoft.com/office/drawing/2014/main" id="{012322C8-7E00-364B-ADFB-9F14A7CD7D58}"/>
+              </a:ext>
+            </a:extLst>
+          </p:cNvPr>
+          <p:cNvSpPr>
+            <a:spLocks noGrp="1"/>
+          </p:cNvSpPr>
+          <p:nvPr>
+            <p:ph type="title"/>
+          </p:nvPr>
+        </p:nvSpPr>
+        <p:spPr/>
+        <p:txBody>
+          <a:bodyPr/>
+          <a:lstStyle/>
+          <a:p>
+            <a:r>
+              <a:rPr lang="en-US" dirty="0"/>
+              <a:t>Coordinate Reference Systems</a:t>
+            </a:r>
+          </a:p>
+        </p:txBody>
+      </p:sp>
+      <p:sp>
+        <p:nvSpPr>
+          <p:cNvPr id="11" name="Text Placeholder 3">
+            <a:extLst>
+              <a:ext uri="{FF2B5EF4-FFF2-40B4-BE49-F238E27FC236}">
+                <a16:creationId xmlns:a16="http://schemas.microsoft.com/office/drawing/2014/main" id="{C25E8A40-1ADE-F146-ABBE-128C54E1C877}"/>
+              </a:ext>
+            </a:extLst>
+          </p:cNvPr>
+          <p:cNvSpPr>
+            <a:spLocks noGrp="1"/>
+          </p:cNvSpPr>
+          <p:nvPr>
+            <p:ph type="body" sz="quarter" idx="11"/>
+          </p:nvPr>
+        </p:nvSpPr>
+        <p:spPr>
+          <a:xfrm>
+            <a:off x="733997" y="1064298"/>
+            <a:ext cx="7423308" cy="2288381"/>
+          </a:xfrm>
+        </p:spPr>
+        <p:txBody>
+          <a:bodyPr/>
+          <a:lstStyle/>
+          <a:p>
+            <a:pPr marL="285750" indent="-285750">
+              <a:buFont typeface="Wingdings" pitchFamily="2" charset="2"/>
+              <a:buChar char="§"/>
+            </a:pPr>
+            <a:r>
+              <a:rPr lang="en-US" dirty="0"/>
+              <a:t>The CRS associated with a dataset tells your mapping software (for example R) where the raster/vector is located in geographic space. </a:t>
+            </a:r>
+          </a:p>
+          <a:p>
+            <a:pPr marL="285750" indent="-285750">
+              <a:buFont typeface="Wingdings" pitchFamily="2" charset="2"/>
+              <a:buChar char="§"/>
+            </a:pPr>
+            <a:r>
+              <a:rPr lang="en-US" dirty="0"/>
+              <a:t>It also tells the mapping software what method (projection) should be used to flatten or project the raster in geographic space.</a:t>
+            </a:r>
+          </a:p>
+          <a:p>
+            <a:pPr marL="285750" indent="-285750">
+              <a:buFont typeface="Wingdings" pitchFamily="2" charset="2"/>
+              <a:buChar char="§"/>
+            </a:pPr>
+            <a:r>
+              <a:rPr lang="en-US" dirty="0"/>
+              <a:t>Key components of a CRS are: </a:t>
+            </a:r>
+          </a:p>
+          <a:p>
+            <a:pPr marL="662940" lvl="1" indent="-285750">
+              <a:buFont typeface="Wingdings" pitchFamily="2" charset="2"/>
+              <a:buChar char="§"/>
+            </a:pPr>
+            <a:r>
+              <a:rPr lang="en-US" dirty="0"/>
+              <a:t>Datum – a model of the shape of the earth (ex. WGS84, NAD83)</a:t>
+            </a:r>
+          </a:p>
+          <a:p>
+            <a:pPr marL="662940" lvl="1" indent="-285750">
+              <a:buFont typeface="Wingdings" pitchFamily="2" charset="2"/>
+              <a:buChar char="§"/>
+            </a:pPr>
+            <a:r>
+              <a:rPr lang="en-US" dirty="0"/>
+              <a:t>Projection – mathematical transform of angular measurements from spheroidal to flat.  May include a zonal information if UTM</a:t>
+            </a:r>
+          </a:p>
+          <a:p>
+            <a:pPr marL="662940" lvl="1" indent="-285750">
+              <a:buFont typeface="Wingdings" pitchFamily="2" charset="2"/>
+              <a:buChar char="§"/>
+            </a:pPr>
+            <a:r>
+              <a:rPr lang="en-US" dirty="0"/>
+              <a:t>Ellipsoid - </a:t>
+            </a:r>
+            <a:r>
+              <a:rPr lang="en-US" dirty="0">
+                <a:latin typeface="Arial" pitchFamily="-106" charset="0"/>
+              </a:rPr>
+              <a:t>mathematical surface obtained by revolving an ellipse about the earth’s polar axis.  Selected to give a good fit to the geoid</a:t>
+            </a:r>
+          </a:p>
+          <a:p>
+            <a:pPr marL="662940" lvl="1" indent="-285750">
+              <a:buFont typeface="Wingdings" pitchFamily="2" charset="2"/>
+              <a:buChar char="§"/>
+            </a:pPr>
+            <a:endParaRPr lang="en-US" dirty="0"/>
+          </a:p>
+          <a:p>
+            <a:pPr marL="285750" indent="-285750">
+              <a:buFont typeface="Wingdings" pitchFamily="2" charset="2"/>
+              <a:buChar char="§"/>
+            </a:pPr>
+            <a:endParaRPr lang="en-US" dirty="0"/>
+          </a:p>
+        </p:txBody>
+      </p:sp>
+      <p:sp>
+        <p:nvSpPr>
+          <p:cNvPr id="7" name="Text Placeholder 2">
+            <a:extLst>
+              <a:ext uri="{FF2B5EF4-FFF2-40B4-BE49-F238E27FC236}">
+                <a16:creationId xmlns:a16="http://schemas.microsoft.com/office/drawing/2014/main" id="{43265DD6-B627-7242-B878-C522E951F70C}"/>
+              </a:ext>
+            </a:extLst>
+          </p:cNvPr>
+          <p:cNvSpPr>
+            <a:spLocks noGrp="1"/>
+          </p:cNvSpPr>
+          <p:nvPr>
+            <p:ph type="body" sz="quarter" idx="10"/>
+          </p:nvPr>
+        </p:nvSpPr>
+        <p:spPr>
+          <a:xfrm>
+            <a:off x="337760" y="292626"/>
+            <a:ext cx="4234240" cy="279834"/>
+          </a:xfrm>
+        </p:spPr>
+        <p:txBody>
+          <a:bodyPr/>
+          <a:lstStyle/>
+          <a:p>
+            <a:r>
+              <a:rPr lang="en-US" dirty="0"/>
+              <a:t>3. Intro to Geospatial Concepts - CRS</a:t>
+            </a:r>
+          </a:p>
+        </p:txBody>
+      </p:sp>
+    </p:spTree>
+    <p:extLst>
+      <p:ext uri="{BB962C8B-B14F-4D97-AF65-F5344CB8AC3E}">
+        <p14:creationId xmlns:p14="http://schemas.microsoft.com/office/powerpoint/2010/main" val="2933779124"/>
+      </p:ext>
+    </p:extLst>
+  </p:cSld>
+  <p:clrMapOvr>
+    <a:masterClrMapping/>
+  </p:clrMapOvr>
+</p:sld>
+</file>
+
+<file path=ppt/slides/slide7.xml><?xml version="1.0" encoding="utf-8"?>
+<p:sld xmlns:a="http://schemas.openxmlformats.org/drawingml/2006/main" xmlns:r="http://schemas.openxmlformats.org/officeDocument/2006/relationships" xmlns:p="http://schemas.openxmlformats.org/presentationml/2006/main">
+  <p:cSld>
+    <p:spTree>
+      <p:nvGrpSpPr>
+        <p:cNvPr id="1" name=""/>
+        <p:cNvGrpSpPr/>
+        <p:nvPr/>
+      </p:nvGrpSpPr>
+      <p:grpSpPr>
+        <a:xfrm>
+          <a:off x="0" y="0"/>
+          <a:ext cx="0" cy="0"/>
+          <a:chOff x="0" y="0"/>
+          <a:chExt cx="0" cy="0"/>
+        </a:xfrm>
+      </p:grpSpPr>
+      <p:sp>
+        <p:nvSpPr>
+          <p:cNvPr id="2" name="Title 1">
+            <a:extLst>
+              <a:ext uri="{FF2B5EF4-FFF2-40B4-BE49-F238E27FC236}">
+                <a16:creationId xmlns:a16="http://schemas.microsoft.com/office/drawing/2014/main" id="{012322C8-7E00-364B-ADFB-9F14A7CD7D58}"/>
+              </a:ext>
+            </a:extLst>
+          </p:cNvPr>
+          <p:cNvSpPr>
+            <a:spLocks noGrp="1"/>
+          </p:cNvSpPr>
+          <p:nvPr>
+            <p:ph type="title"/>
+          </p:nvPr>
+        </p:nvSpPr>
+        <p:spPr/>
+        <p:txBody>
+          <a:bodyPr/>
+          <a:lstStyle/>
+          <a:p>
+            <a:r>
+              <a:rPr lang="en-US" dirty="0"/>
+              <a:t>Coordinate Reference Systems</a:t>
+            </a:r>
+          </a:p>
+        </p:txBody>
+      </p:sp>
+      <p:sp>
+        <p:nvSpPr>
+          <p:cNvPr id="7" name="Text Placeholder 2">
+            <a:extLst>
+              <a:ext uri="{FF2B5EF4-FFF2-40B4-BE49-F238E27FC236}">
+                <a16:creationId xmlns:a16="http://schemas.microsoft.com/office/drawing/2014/main" id="{43265DD6-B627-7242-B878-C522E951F70C}"/>
+              </a:ext>
+            </a:extLst>
+          </p:cNvPr>
+          <p:cNvSpPr>
+            <a:spLocks noGrp="1"/>
+          </p:cNvSpPr>
+          <p:nvPr>
+            <p:ph type="body" sz="quarter" idx="10"/>
+          </p:nvPr>
+        </p:nvSpPr>
+        <p:spPr>
+          <a:xfrm>
+            <a:off x="337760" y="292626"/>
+            <a:ext cx="4234240" cy="279834"/>
+          </a:xfrm>
+        </p:spPr>
+        <p:txBody>
+          <a:bodyPr/>
+          <a:lstStyle/>
+          <a:p>
+            <a:r>
+              <a:rPr lang="en-US" dirty="0"/>
+              <a:t>3. Intro to Geospatial Concepts - CRS</a:t>
+            </a:r>
+          </a:p>
+        </p:txBody>
+      </p:sp>
+      <p:sp>
+        <p:nvSpPr>
+          <p:cNvPr id="8" name="Text Box 2">
+            <a:extLst>
+              <a:ext uri="{FF2B5EF4-FFF2-40B4-BE49-F238E27FC236}">
+                <a16:creationId xmlns:a16="http://schemas.microsoft.com/office/drawing/2014/main" id="{67F99D5C-80CB-1A4B-BB5F-BABB1E97CF23}"/>
+              </a:ext>
+            </a:extLst>
+          </p:cNvPr>
+          <p:cNvSpPr txBox="1">
+            <a:spLocks noChangeArrowheads="1"/>
+          </p:cNvSpPr>
+          <p:nvPr/>
+        </p:nvSpPr>
+        <p:spPr bwMode="auto">
+          <a:xfrm>
+            <a:off x="337760" y="1264381"/>
+            <a:ext cx="3918216" cy="2569934"/>
+          </a:xfrm>
+          <a:prstGeom prst="rect">
+            <a:avLst/>
+          </a:prstGeom>
+          <a:noFill/>
+          <a:ln w="9525">
+            <a:noFill/>
+            <a:miter lim="800000"/>
+            <a:headEnd/>
+            <a:tailEnd/>
+          </a:ln>
+        </p:spPr>
+        <p:txBody>
+          <a:bodyPr wrap="square">
+            <a:prstTxWarp prst="textNoShape">
+              <a:avLst/>
+            </a:prstTxWarp>
+            <a:spAutoFit/>
+          </a:bodyPr>
+          <a:lstStyle/>
+          <a:p>
+            <a:pPr>
+              <a:spcBef>
+                <a:spcPct val="50000"/>
+              </a:spcBef>
+            </a:pPr>
+            <a:r>
+              <a:rPr lang="en-US" b="1" dirty="0">
+                <a:solidFill>
+                  <a:srgbClr val="6E6E6E"/>
+                </a:solidFill>
+                <a:latin typeface="Arial" pitchFamily="-106" charset="0"/>
+                <a:cs typeface="Helvetica"/>
+              </a:rPr>
+              <a:t>Map Projections: </a:t>
+            </a:r>
+            <a:r>
+              <a:rPr lang="en-US" dirty="0">
+                <a:solidFill>
+                  <a:srgbClr val="6E6E6E"/>
+                </a:solidFill>
+                <a:latin typeface="Arial" pitchFamily="-106" charset="0"/>
+                <a:cs typeface="Helvetica"/>
+              </a:rPr>
+              <a:t>to convert geodetic positions of a portion of the earth’s surface to plane rectangular coordinates, points are projected mathematically from the ellipsoid to some imaginary developable surface - plane that can be rolled out flat</a:t>
+            </a:r>
+          </a:p>
+          <a:p>
+            <a:pPr>
+              <a:spcBef>
+                <a:spcPct val="50000"/>
+              </a:spcBef>
+            </a:pPr>
+            <a:r>
+              <a:rPr lang="en-US" b="1" dirty="0">
+                <a:solidFill>
+                  <a:srgbClr val="6E6E6E"/>
+                </a:solidFill>
+                <a:latin typeface="Arial" pitchFamily="-106" charset="0"/>
+                <a:cs typeface="Helvetica"/>
+              </a:rPr>
+              <a:t>Coordinate Reference Systems: </a:t>
+            </a:r>
+            <a:r>
+              <a:rPr lang="en-US" dirty="0">
+                <a:solidFill>
+                  <a:srgbClr val="6E6E6E"/>
+                </a:solidFill>
+                <a:latin typeface="Arial" pitchFamily="-106" charset="0"/>
+                <a:cs typeface="Helvetica"/>
+              </a:rPr>
+              <a:t>quantitative coordinate systems - based on mathematical projection models, often a cartesian coordinate system (i.e. x, y axes) representing relative positions within a particular map projection</a:t>
+            </a:r>
+          </a:p>
+        </p:txBody>
+      </p:sp>
+      <p:pic>
+        <p:nvPicPr>
+          <p:cNvPr id="9" name="Picture 6" descr="http://www.rodsbot.com/images_maps_cache/222-map-assoc.jpg">
+            <a:extLst>
+              <a:ext uri="{FF2B5EF4-FFF2-40B4-BE49-F238E27FC236}">
+                <a16:creationId xmlns:a16="http://schemas.microsoft.com/office/drawing/2014/main" id="{8096C3E5-A230-F94F-9DD6-968680E26B8A}"/>
+              </a:ext>
+            </a:extLst>
+          </p:cNvPr>
+          <p:cNvPicPr>
+            <a:picLocks noChangeAspect="1" noChangeArrowheads="1"/>
+          </p:cNvPicPr>
+          <p:nvPr/>
+        </p:nvPicPr>
+        <p:blipFill>
+          <a:blip r:embed="rId2">
+            <a:extLst>
+              <a:ext uri="{28A0092B-C50C-407E-A947-70E740481C1C}">
+                <a14:useLocalDpi xmlns:a14="http://schemas.microsoft.com/office/drawing/2010/main" val="0"/>
+              </a:ext>
+            </a:extLst>
+          </a:blip>
+          <a:srcRect/>
+          <a:stretch>
+            <a:fillRect/>
+          </a:stretch>
+        </p:blipFill>
+        <p:spPr bwMode="auto">
+          <a:xfrm>
+            <a:off x="5006536" y="1319715"/>
+            <a:ext cx="3017519" cy="2514600"/>
+          </a:xfrm>
+          <a:prstGeom prst="rect">
+            <a:avLst/>
+          </a:prstGeom>
+          <a:noFill/>
+          <a:effectLst>
+            <a:innerShdw blurRad="114300">
+              <a:prstClr val="black"/>
+            </a:innerShdw>
+          </a:effectLst>
+          <a:extLst>
+            <a:ext uri="{909E8E84-426E-40DD-AFC4-6F175D3DCCD1}">
+              <a14:hiddenFill xmlns:a14="http://schemas.microsoft.com/office/drawing/2010/main">
+                <a:solidFill>
+                  <a:srgbClr val="FFFFFF"/>
+                </a:solidFill>
+              </a14:hiddenFill>
+            </a:ext>
+          </a:extLst>
+        </p:spPr>
+      </p:pic>
+    </p:spTree>
+    <p:extLst>
+      <p:ext uri="{BB962C8B-B14F-4D97-AF65-F5344CB8AC3E}">
+        <p14:creationId xmlns:p14="http://schemas.microsoft.com/office/powerpoint/2010/main" val="3177195259"/>
+      </p:ext>
+    </p:extLst>
+  </p:cSld>
+  <p:clrMapOvr>
+    <a:masterClrMapping/>
+  </p:clrMapOvr>
+  <p:timing>
+    <p:tnLst>
+      <p:par>
+        <p:cTn id="1" dur="indefinite" restart="never" nodeType="tmRoot">
+          <p:childTnLst>
+            <p:seq concurrent="1" nextAc="seek">
+              <p:cTn id="2" dur="indefinite" nodeType="mainSeq">
+                <p:childTnLst>
+                  <p:par>
+                    <p:cTn id="3" fill="hold">
+                      <p:stCondLst>
+                        <p:cond delay="indefinite"/>
+                      </p:stCondLst>
+                      <p:childTnLst>
+                        <p:par>
+                          <p:cTn id="4" fill="hold">
+                            <p:stCondLst>
+                              <p:cond delay="0"/>
+                            </p:stCondLst>
+                            <p:childTnLst>
+                              <p:par>
+                                <p:cTn id="5" presetID="1" presetClass="entr" presetSubtype="0" fill="hold" grpId="0" nodeType="clickEffect">
+                                  <p:stCondLst>
+                                    <p:cond delay="0"/>
+                                  </p:stCondLst>
+                                  <p:childTnLst>
+                                    <p:set>
+                                      <p:cBhvr>
+                                        <p:cTn id="6" dur="1" fill="hold">
+                                          <p:stCondLst>
+                                            <p:cond delay="499"/>
+                                          </p:stCondLst>
+                                        </p:cTn>
+                                        <p:tgtEl>
+                                          <p:spTgt spid="8">
+                                            <p:txEl>
+                                              <p:pRg st="0" end="0"/>
+                                            </p:txEl>
+                                          </p:spTgt>
+                                        </p:tgtEl>
+                                        <p:attrNameLst>
+                                          <p:attrName>style.visibility</p:attrName>
+                                        </p:attrNameLst>
+                                      </p:cBhvr>
+                                      <p:to>
+                                        <p:strVal val="visible"/>
+                                      </p:to>
+                                    </p:set>
+                                  </p:childTnLst>
+                                </p:cTn>
+                              </p:par>
+                            </p:childTnLst>
+                          </p:cTn>
+                        </p:par>
+                      </p:childTnLst>
+                    </p:cTn>
+                  </p:par>
+                  <p:par>
+                    <p:cTn id="7" fill="hold">
+                      <p:stCondLst>
+                        <p:cond delay="indefinite"/>
+                      </p:stCondLst>
+                      <p:childTnLst>
+                        <p:par>
+                          <p:cTn id="8" fill="hold">
+                            <p:stCondLst>
+                              <p:cond delay="0"/>
+                            </p:stCondLst>
+                            <p:childTnLst>
+                              <p:par>
+                                <p:cTn id="9" presetID="1" presetClass="entr" presetSubtype="0" fill="hold" grpId="0" nodeType="clickEffect">
+                                  <p:stCondLst>
+                                    <p:cond delay="0"/>
+                                  </p:stCondLst>
+                                  <p:childTnLst>
+                                    <p:set>
+                                      <p:cBhvr>
+                                        <p:cTn id="10" dur="1" fill="hold">
+                                          <p:stCondLst>
+                                            <p:cond delay="499"/>
+                                          </p:stCondLst>
+                                        </p:cTn>
+                                        <p:tgtEl>
+                                          <p:spTgt spid="8">
+                                            <p:txEl>
+                                              <p:pRg st="1" end="1"/>
+                                            </p:txEl>
+                                          </p:spTgt>
+                                        </p:tgtEl>
+                                        <p:attrNameLst>
+                                          <p:attrName>style.visibility</p:attrName>
+                                        </p:attrNameLst>
+                                      </p:cBhvr>
+                                      <p:to>
+                                        <p:strVal val="visible"/>
+                                      </p:to>
+                                    </p:set>
+                                  </p:childTnLst>
+                                </p:cTn>
+                              </p:par>
+                            </p:childTnLst>
+                          </p:cTn>
+                        </p:par>
+                      </p:childTnLst>
+                    </p:cTn>
+                  </p:par>
+                </p:childTnLst>
+              </p:cTn>
+              <p:prevCondLst>
+                <p:cond evt="onPrev" delay="0">
+                  <p:tgtEl>
+                    <p:sldTgt/>
+                  </p:tgtEl>
+                </p:cond>
+              </p:prevCondLst>
+              <p:nextCondLst>
+                <p:cond evt="onNext" delay="0">
+                  <p:tgtEl>
+                    <p:sldTgt/>
+                  </p:tgtEl>
+                </p:cond>
+              </p:nextCondLst>
+            </p:seq>
+          </p:childTnLst>
+        </p:cTn>
+      </p:par>
+    </p:tnLst>
+    <p:bldLst>
+      <p:bldP spid="8" grpId="0" build="p" autoUpdateAnimBg="0"/>
+    </p:bldLst>
+  </p:timing>
+</p:sld>
+</file>
+
+<file path=ppt/slides/slide8.xml><?xml version="1.0" encoding="utf-8"?>
+<p:sld xmlns:a="http://schemas.openxmlformats.org/drawingml/2006/main" xmlns:r="http://schemas.openxmlformats.org/officeDocument/2006/relationships" xmlns:p="http://schemas.openxmlformats.org/presentationml/2006/main">
+  <p:cSld>
+    <p:spTree>
+      <p:nvGrpSpPr>
+        <p:cNvPr id="1" name=""/>
+        <p:cNvGrpSpPr/>
+        <p:nvPr/>
+      </p:nvGrpSpPr>
+      <p:grpSpPr>
+        <a:xfrm>
+          <a:off x="0" y="0"/>
+          <a:ext cx="0" cy="0"/>
+          <a:chOff x="0" y="0"/>
+          <a:chExt cx="0" cy="0"/>
+        </a:xfrm>
+      </p:grpSpPr>
+      <p:sp>
+        <p:nvSpPr>
+          <p:cNvPr id="2" name="Title 1">
+            <a:extLst>
+              <a:ext uri="{FF2B5EF4-FFF2-40B4-BE49-F238E27FC236}">
+                <a16:creationId xmlns:a16="http://schemas.microsoft.com/office/drawing/2014/main" id="{012322C8-7E00-364B-ADFB-9F14A7CD7D58}"/>
+              </a:ext>
+            </a:extLst>
+          </p:cNvPr>
+          <p:cNvSpPr>
+            <a:spLocks noGrp="1"/>
+          </p:cNvSpPr>
+          <p:nvPr>
+            <p:ph type="title"/>
+          </p:nvPr>
+        </p:nvSpPr>
+        <p:spPr/>
+        <p:txBody>
+          <a:bodyPr/>
+          <a:lstStyle/>
+          <a:p>
+            <a:r>
+              <a:rPr lang="en-US" dirty="0"/>
+              <a:t>Coordinate Reference Systems</a:t>
+            </a:r>
+          </a:p>
+        </p:txBody>
+      </p:sp>
+      <p:sp>
+        <p:nvSpPr>
+          <p:cNvPr id="7" name="Text Placeholder 2">
+            <a:extLst>
+              <a:ext uri="{FF2B5EF4-FFF2-40B4-BE49-F238E27FC236}">
+                <a16:creationId xmlns:a16="http://schemas.microsoft.com/office/drawing/2014/main" id="{43265DD6-B627-7242-B878-C522E951F70C}"/>
+              </a:ext>
+            </a:extLst>
+          </p:cNvPr>
+          <p:cNvSpPr>
+            <a:spLocks noGrp="1"/>
+          </p:cNvSpPr>
+          <p:nvPr>
+            <p:ph type="body" sz="quarter" idx="10"/>
+          </p:nvPr>
+        </p:nvSpPr>
+        <p:spPr>
+          <a:xfrm>
+            <a:off x="337760" y="292626"/>
+            <a:ext cx="4234240" cy="279834"/>
+          </a:xfrm>
+        </p:spPr>
+        <p:txBody>
+          <a:bodyPr/>
+          <a:lstStyle/>
+          <a:p>
+            <a:r>
+              <a:rPr lang="en-US" dirty="0"/>
+              <a:t>3. Intro to Geospatial Concepts - CRS</a:t>
+            </a:r>
+          </a:p>
+        </p:txBody>
+      </p:sp>
+      <p:sp>
+        <p:nvSpPr>
+          <p:cNvPr id="8" name="Text Box 2">
+            <a:extLst>
+              <a:ext uri="{FF2B5EF4-FFF2-40B4-BE49-F238E27FC236}">
+                <a16:creationId xmlns:a16="http://schemas.microsoft.com/office/drawing/2014/main" id="{67F99D5C-80CB-1A4B-BB5F-BABB1E97CF23}"/>
+              </a:ext>
+            </a:extLst>
+          </p:cNvPr>
+          <p:cNvSpPr txBox="1">
+            <a:spLocks noChangeArrowheads="1"/>
+          </p:cNvSpPr>
+          <p:nvPr/>
+        </p:nvSpPr>
+        <p:spPr bwMode="auto">
+          <a:xfrm>
+            <a:off x="337760" y="1264381"/>
+            <a:ext cx="3918216" cy="2569934"/>
+          </a:xfrm>
+          <a:prstGeom prst="rect">
+            <a:avLst/>
+          </a:prstGeom>
+          <a:noFill/>
+          <a:ln w="9525">
+            <a:noFill/>
+            <a:miter lim="800000"/>
+            <a:headEnd/>
+            <a:tailEnd/>
+          </a:ln>
+        </p:spPr>
+        <p:txBody>
+          <a:bodyPr wrap="square">
+            <a:prstTxWarp prst="textNoShape">
+              <a:avLst/>
+            </a:prstTxWarp>
+            <a:spAutoFit/>
+          </a:bodyPr>
+          <a:lstStyle/>
+          <a:p>
+            <a:pPr>
+              <a:spcBef>
+                <a:spcPct val="50000"/>
+              </a:spcBef>
+            </a:pPr>
+            <a:r>
+              <a:rPr lang="en-US" b="1" dirty="0">
+                <a:solidFill>
+                  <a:srgbClr val="6E6E6E"/>
+                </a:solidFill>
+                <a:latin typeface="Arial" pitchFamily="-106" charset="0"/>
+                <a:cs typeface="Helvetica"/>
+              </a:rPr>
+              <a:t>Map Projections: </a:t>
+            </a:r>
+            <a:r>
+              <a:rPr lang="en-US" dirty="0">
+                <a:solidFill>
+                  <a:srgbClr val="6E6E6E"/>
+                </a:solidFill>
+                <a:latin typeface="Arial" pitchFamily="-106" charset="0"/>
+                <a:cs typeface="Helvetica"/>
+              </a:rPr>
+              <a:t>to convert geodetic positions of a portion of the earth’s surface to plane rectangular coordinates, points are projected mathematically from the ellipsoid to some imaginary developable surface - plane that can be rolled out flat</a:t>
+            </a:r>
+          </a:p>
+          <a:p>
+            <a:pPr>
+              <a:spcBef>
+                <a:spcPct val="50000"/>
+              </a:spcBef>
+            </a:pPr>
+            <a:r>
+              <a:rPr lang="en-US" b="1" dirty="0">
+                <a:solidFill>
+                  <a:srgbClr val="6E6E6E"/>
+                </a:solidFill>
+                <a:latin typeface="Arial" pitchFamily="-106" charset="0"/>
+                <a:cs typeface="Helvetica"/>
+              </a:rPr>
+              <a:t>Coordinate Reference Systems: </a:t>
+            </a:r>
+            <a:r>
+              <a:rPr lang="en-US" dirty="0">
+                <a:solidFill>
+                  <a:srgbClr val="6E6E6E"/>
+                </a:solidFill>
+                <a:latin typeface="Arial" pitchFamily="-106" charset="0"/>
+                <a:cs typeface="Helvetica"/>
+              </a:rPr>
+              <a:t>quantitative coordinate systems - based on mathematical projection models, often a cartesian coordinate system (i.e. x, y axes) representing relative positions within a particular map projection</a:t>
+            </a:r>
+          </a:p>
+        </p:txBody>
+      </p:sp>
+      <p:pic>
+        <p:nvPicPr>
+          <p:cNvPr id="6" name="Picture 2" descr="http://image.slidesharecdn.com/projectionsandcoordinatesystem-150316020116-conversion-gate01/95/projections-and-coordinate-system-27-638.jpg?cb=1426593529">
+            <a:extLst>
+              <a:ext uri="{FF2B5EF4-FFF2-40B4-BE49-F238E27FC236}">
+                <a16:creationId xmlns:a16="http://schemas.microsoft.com/office/drawing/2014/main" id="{BE7DE059-C34B-474E-8043-B95DF4DF774D}"/>
+              </a:ext>
+            </a:extLst>
+          </p:cNvPr>
+          <p:cNvPicPr>
+            <a:picLocks noChangeAspect="1" noChangeArrowheads="1"/>
+          </p:cNvPicPr>
+          <p:nvPr/>
+        </p:nvPicPr>
+        <p:blipFill>
+          <a:blip r:embed="rId2">
+            <a:extLst>
+              <a:ext uri="{28A0092B-C50C-407E-A947-70E740481C1C}">
+                <a14:useLocalDpi xmlns:a14="http://schemas.microsoft.com/office/drawing/2010/main" val="0"/>
+              </a:ext>
+            </a:extLst>
+          </a:blip>
+          <a:srcRect/>
+          <a:stretch>
+            <a:fillRect/>
+          </a:stretch>
+        </p:blipFill>
+        <p:spPr bwMode="auto">
+          <a:xfrm>
+            <a:off x="4753527" y="1156755"/>
+            <a:ext cx="3662340" cy="2829990"/>
+          </a:xfrm>
+          <a:prstGeom prst="rect">
+            <a:avLst/>
+          </a:prstGeom>
+          <a:noFill/>
+          <a:extLst>
+            <a:ext uri="{909E8E84-426E-40DD-AFC4-6F175D3DCCD1}">
+              <a14:hiddenFill xmlns:a14="http://schemas.microsoft.com/office/drawing/2010/main">
+                <a:solidFill>
+                  <a:srgbClr val="FFFFFF"/>
+                </a:solidFill>
+              </a14:hiddenFill>
+            </a:ext>
+          </a:extLst>
+        </p:spPr>
+      </p:pic>
+    </p:spTree>
+    <p:extLst>
+      <p:ext uri="{BB962C8B-B14F-4D97-AF65-F5344CB8AC3E}">
+        <p14:creationId xmlns:p14="http://schemas.microsoft.com/office/powerpoint/2010/main" val="2949758957"/>
+      </p:ext>
+    </p:extLst>
+  </p:cSld>
+  <p:clrMapOvr>
+    <a:masterClrMapping/>
+  </p:clrMapOvr>
+  <p:timing>
+    <p:tnLst>
+      <p:par>
+        <p:cTn id="1" dur="indefinite" restart="never" nodeType="tmRoot">
+          <p:childTnLst>
+            <p:seq concurrent="1" nextAc="seek">
+              <p:cTn id="2" dur="indefinite" nodeType="mainSeq">
+                <p:childTnLst>
+                  <p:par>
+                    <p:cTn id="3" fill="hold">
+                      <p:stCondLst>
+                        <p:cond delay="indefinite"/>
+                      </p:stCondLst>
+                      <p:childTnLst>
+                        <p:par>
+                          <p:cTn id="4" fill="hold">
+                            <p:stCondLst>
+                              <p:cond delay="0"/>
+                            </p:stCondLst>
+                            <p:childTnLst>
+                              <p:par>
+                                <p:cTn id="5" presetID="1" presetClass="entr" presetSubtype="0" fill="hold" grpId="0" nodeType="clickEffect">
+                                  <p:stCondLst>
+                                    <p:cond delay="0"/>
+                                  </p:stCondLst>
+                                  <p:childTnLst>
+                                    <p:set>
+                                      <p:cBhvr>
+                                        <p:cTn id="6" dur="1" fill="hold">
+                                          <p:stCondLst>
+                                            <p:cond delay="499"/>
+                                          </p:stCondLst>
+                                        </p:cTn>
+                                        <p:tgtEl>
+                                          <p:spTgt spid="8">
+                                            <p:txEl>
+                                              <p:pRg st="0" end="0"/>
+                                            </p:txEl>
+                                          </p:spTgt>
+                                        </p:tgtEl>
+                                        <p:attrNameLst>
+                                          <p:attrName>style.visibility</p:attrName>
+                                        </p:attrNameLst>
+                                      </p:cBhvr>
+                                      <p:to>
+                                        <p:strVal val="visible"/>
+                                      </p:to>
+                                    </p:set>
+                                  </p:childTnLst>
+                                </p:cTn>
+                              </p:par>
+                            </p:childTnLst>
+                          </p:cTn>
+                        </p:par>
+                      </p:childTnLst>
+                    </p:cTn>
+                  </p:par>
+                  <p:par>
+                    <p:cTn id="7" fill="hold">
+                      <p:stCondLst>
+                        <p:cond delay="indefinite"/>
+                      </p:stCondLst>
+                      <p:childTnLst>
+                        <p:par>
+                          <p:cTn id="8" fill="hold">
+                            <p:stCondLst>
+                              <p:cond delay="0"/>
+                            </p:stCondLst>
+                            <p:childTnLst>
+                              <p:par>
+                                <p:cTn id="9" presetID="1" presetClass="entr" presetSubtype="0" fill="hold" grpId="0" nodeType="clickEffect">
+                                  <p:stCondLst>
+                                    <p:cond delay="0"/>
+                                  </p:stCondLst>
+                                  <p:childTnLst>
+                                    <p:set>
+                                      <p:cBhvr>
+                                        <p:cTn id="10" dur="1" fill="hold">
+                                          <p:stCondLst>
+                                            <p:cond delay="499"/>
+                                          </p:stCondLst>
+                                        </p:cTn>
+                                        <p:tgtEl>
+                                          <p:spTgt spid="8">
+                                            <p:txEl>
+                                              <p:pRg st="1" end="1"/>
+                                            </p:txEl>
+                                          </p:spTgt>
+                                        </p:tgtEl>
+                                        <p:attrNameLst>
+                                          <p:attrName>style.visibility</p:attrName>
+                                        </p:attrNameLst>
+                                      </p:cBhvr>
+                                      <p:to>
+                                        <p:strVal val="visible"/>
+                                      </p:to>
+                                    </p:set>
+                                  </p:childTnLst>
+                                </p:cTn>
+                              </p:par>
+                            </p:childTnLst>
+                          </p:cTn>
+                        </p:par>
+                      </p:childTnLst>
+                    </p:cTn>
+                  </p:par>
+                </p:childTnLst>
+              </p:cTn>
+              <p:prevCondLst>
+                <p:cond evt="onPrev" delay="0">
+                  <p:tgtEl>
+                    <p:sldTgt/>
+                  </p:tgtEl>
+                </p:cond>
+              </p:prevCondLst>
+              <p:nextCondLst>
+                <p:cond evt="onNext" delay="0">
+                  <p:tgtEl>
+                    <p:sldTgt/>
+                  </p:tgtEl>
+                </p:cond>
+              </p:nextCondLst>
+            </p:seq>
+          </p:childTnLst>
+        </p:cTn>
+      </p:par>
+    </p:tnLst>
+    <p:bldLst>
+      <p:bldP spid="8" grpId="0" build="p" autoUpdateAnimBg="0"/>
+    </p:bldLst>
+  </p:timing>
+</p:sld>
+</file>
+
+<file path=ppt/slides/slide9.xml><?xml version="1.0" encoding="utf-8"?>
+<p:sld xmlns:a="http://schemas.openxmlformats.org/drawingml/2006/main" xmlns:r="http://schemas.openxmlformats.org/officeDocument/2006/relationships" xmlns:p="http://schemas.openxmlformats.org/presentationml/2006/main">
+  <p:cSld>
+    <p:spTree>
+      <p:nvGrpSpPr>
+        <p:cNvPr id="1" name=""/>
+        <p:cNvGrpSpPr/>
+        <p:nvPr/>
+      </p:nvGrpSpPr>
+      <p:grpSpPr>
+        <a:xfrm>
+          <a:off x="0" y="0"/>
+          <a:ext cx="0" cy="0"/>
+          <a:chOff x="0" y="0"/>
+          <a:chExt cx="0" cy="0"/>
+        </a:xfrm>
+      </p:grpSpPr>
+      <p:sp>
+        <p:nvSpPr>
+          <p:cNvPr id="2" name="Title 1">
+            <a:extLst>
+              <a:ext uri="{FF2B5EF4-FFF2-40B4-BE49-F238E27FC236}">
+                <a16:creationId xmlns:a16="http://schemas.microsoft.com/office/drawing/2014/main" id="{012322C8-7E00-364B-ADFB-9F14A7CD7D58}"/>
+              </a:ext>
+            </a:extLst>
+          </p:cNvPr>
+          <p:cNvSpPr>
+            <a:spLocks noGrp="1"/>
+          </p:cNvSpPr>
+          <p:nvPr>
+            <p:ph type="title"/>
+          </p:nvPr>
+        </p:nvSpPr>
+        <p:spPr/>
+        <p:txBody>
+          <a:bodyPr/>
+          <a:lstStyle/>
+          <a:p>
+            <a:r>
+              <a:rPr lang="en-US" dirty="0"/>
+              <a:t>Coordinate Reference Systems</a:t>
+            </a:r>
+          </a:p>
+        </p:txBody>
+      </p:sp>
+      <p:sp>
+        <p:nvSpPr>
+          <p:cNvPr id="7" name="Text Placeholder 2">
+            <a:extLst>
+              <a:ext uri="{FF2B5EF4-FFF2-40B4-BE49-F238E27FC236}">
+                <a16:creationId xmlns:a16="http://schemas.microsoft.com/office/drawing/2014/main" id="{43265DD6-B627-7242-B878-C522E951F70C}"/>
+              </a:ext>
+            </a:extLst>
+          </p:cNvPr>
+          <p:cNvSpPr>
+            <a:spLocks noGrp="1"/>
+          </p:cNvSpPr>
+          <p:nvPr>
+            <p:ph type="body" sz="quarter" idx="10"/>
+          </p:nvPr>
+        </p:nvSpPr>
+        <p:spPr>
+          <a:xfrm>
+            <a:off x="337760" y="292626"/>
+            <a:ext cx="4234240" cy="279834"/>
+          </a:xfrm>
+        </p:spPr>
+        <p:txBody>
+          <a:bodyPr/>
+          <a:lstStyle/>
+          <a:p>
+            <a:r>
+              <a:rPr lang="en-US" dirty="0"/>
+              <a:t>3. Intro to Geospatial Concepts - CRS</a:t>
+            </a:r>
+          </a:p>
+        </p:txBody>
+      </p:sp>
+      <p:sp>
+        <p:nvSpPr>
+          <p:cNvPr id="3" name="Rectangle 2">
+            <a:extLst>
+              <a:ext uri="{FF2B5EF4-FFF2-40B4-BE49-F238E27FC236}">
+                <a16:creationId xmlns:a16="http://schemas.microsoft.com/office/drawing/2014/main" id="{5163FADC-4B6D-404C-8F73-7EF7D30C4C09}"/>
+              </a:ext>
+            </a:extLst>
+          </p:cNvPr>
+          <p:cNvSpPr/>
+          <p:nvPr/>
+        </p:nvSpPr>
+        <p:spPr>
+          <a:xfrm>
+            <a:off x="1032933" y="1134107"/>
+            <a:ext cx="7078133" cy="3108543"/>
+          </a:xfrm>
+          <a:prstGeom prst="rect">
+            <a:avLst/>
+          </a:prstGeom>
+        </p:spPr>
+        <p:txBody>
+          <a:bodyPr wrap="square">
+            <a:spAutoFit/>
+          </a:bodyPr>
+          <a:lstStyle/>
+          <a:p>
+            <a:r>
+              <a:rPr lang="en-US" dirty="0">
+                <a:solidFill>
+                  <a:srgbClr val="337AB7"/>
+                </a:solidFill>
+                <a:latin typeface="Helvetica Neue" panose="02000503000000020004" pitchFamily="2" charset="0"/>
+                <a:hlinkClick r:id="rId2"/>
+              </a:rPr>
+              <a:t>PROJ</a:t>
+            </a:r>
+            <a:r>
+              <a:rPr lang="en-US" dirty="0">
+                <a:solidFill>
+                  <a:srgbClr val="333333"/>
+                </a:solidFill>
+                <a:latin typeface="Helvetica Neue" panose="02000503000000020004" pitchFamily="2" charset="0"/>
+              </a:rPr>
+              <a:t> is an open-source library for storing, representing and transforming CRS information. PROJ.5 has been recently released, but PROJ.4 was in use for 25 years so you will still mostly see PROJ referred to as PROJ.4. PROJ represents CRS information as a text string of key-value pairs, which makes it easy to </a:t>
+            </a:r>
+            <a:r>
+              <a:rPr lang="en-US" dirty="0" err="1">
+                <a:solidFill>
+                  <a:srgbClr val="333333"/>
+                </a:solidFill>
+                <a:latin typeface="Helvetica Neue" panose="02000503000000020004" pitchFamily="2" charset="0"/>
+              </a:rPr>
+              <a:t>customise</a:t>
+            </a:r>
+            <a:r>
+              <a:rPr lang="en-US" dirty="0">
+                <a:solidFill>
+                  <a:srgbClr val="333333"/>
+                </a:solidFill>
+                <a:latin typeface="Helvetica Neue" panose="02000503000000020004" pitchFamily="2" charset="0"/>
+              </a:rPr>
+              <a:t> (and with a little practice, easy to read and interpret).</a:t>
+            </a:r>
+          </a:p>
+          <a:p>
+            <a:endParaRPr lang="en-US" dirty="0">
+              <a:solidFill>
+                <a:srgbClr val="333333"/>
+              </a:solidFill>
+              <a:latin typeface="Helvetica Neue" panose="02000503000000020004" pitchFamily="2" charset="0"/>
+            </a:endParaRPr>
+          </a:p>
+          <a:p>
+            <a:r>
+              <a:rPr lang="en-US" dirty="0">
+                <a:solidFill>
+                  <a:srgbClr val="333333"/>
+                </a:solidFill>
+                <a:latin typeface="Helvetica Neue" panose="02000503000000020004" pitchFamily="2" charset="0"/>
+              </a:rPr>
+              <a:t>A PROJ4 string includes the following information:</a:t>
+            </a:r>
+          </a:p>
+          <a:p>
+            <a:endParaRPr lang="en-US" dirty="0">
+              <a:solidFill>
+                <a:srgbClr val="333333"/>
+              </a:solidFill>
+              <a:latin typeface="Helvetica Neue" panose="02000503000000020004" pitchFamily="2" charset="0"/>
+            </a:endParaRPr>
+          </a:p>
+          <a:p>
+            <a:pPr>
+              <a:buFont typeface="Arial" panose="020B0604020202020204" pitchFamily="34" charset="0"/>
+              <a:buChar char="•"/>
+            </a:pPr>
+            <a:r>
+              <a:rPr lang="en-US" b="1" dirty="0" err="1">
+                <a:solidFill>
+                  <a:srgbClr val="333333"/>
+                </a:solidFill>
+                <a:latin typeface="Helvetica Neue" panose="02000503000000020004" pitchFamily="2" charset="0"/>
+              </a:rPr>
+              <a:t>proj</a:t>
+            </a:r>
+            <a:r>
+              <a:rPr lang="en-US" b="1" dirty="0">
+                <a:solidFill>
+                  <a:srgbClr val="333333"/>
+                </a:solidFill>
+                <a:latin typeface="Helvetica Neue" panose="02000503000000020004" pitchFamily="2" charset="0"/>
+              </a:rPr>
+              <a:t>=:</a:t>
+            </a:r>
+            <a:r>
+              <a:rPr lang="en-US" dirty="0">
+                <a:solidFill>
+                  <a:srgbClr val="333333"/>
+                </a:solidFill>
+                <a:latin typeface="Helvetica Neue" panose="02000503000000020004" pitchFamily="2" charset="0"/>
+              </a:rPr>
+              <a:t> the projection of the data</a:t>
+            </a:r>
+          </a:p>
+          <a:p>
+            <a:pPr>
+              <a:buFont typeface="Arial" panose="020B0604020202020204" pitchFamily="34" charset="0"/>
+              <a:buChar char="•"/>
+            </a:pPr>
+            <a:r>
+              <a:rPr lang="en-US" b="1" dirty="0">
+                <a:solidFill>
+                  <a:srgbClr val="333333"/>
+                </a:solidFill>
+                <a:latin typeface="Helvetica Neue" panose="02000503000000020004" pitchFamily="2" charset="0"/>
+              </a:rPr>
+              <a:t>zone=:</a:t>
+            </a:r>
+            <a:r>
+              <a:rPr lang="en-US" dirty="0">
+                <a:solidFill>
+                  <a:srgbClr val="333333"/>
+                </a:solidFill>
+                <a:latin typeface="Helvetica Neue" panose="02000503000000020004" pitchFamily="2" charset="0"/>
+              </a:rPr>
+              <a:t> the zone of the data (this is specific to the UTM projection)</a:t>
+            </a:r>
+          </a:p>
+          <a:p>
+            <a:pPr>
+              <a:buFont typeface="Arial" panose="020B0604020202020204" pitchFamily="34" charset="0"/>
+              <a:buChar char="•"/>
+            </a:pPr>
+            <a:r>
+              <a:rPr lang="en-US" b="1" dirty="0">
+                <a:solidFill>
+                  <a:srgbClr val="333333"/>
+                </a:solidFill>
+                <a:latin typeface="Helvetica Neue" panose="02000503000000020004" pitchFamily="2" charset="0"/>
+              </a:rPr>
+              <a:t>datum=:</a:t>
+            </a:r>
+            <a:r>
+              <a:rPr lang="en-US" dirty="0">
+                <a:solidFill>
+                  <a:srgbClr val="333333"/>
+                </a:solidFill>
+                <a:latin typeface="Helvetica Neue" panose="02000503000000020004" pitchFamily="2" charset="0"/>
+              </a:rPr>
+              <a:t> the datum use</a:t>
+            </a:r>
+          </a:p>
+          <a:p>
+            <a:pPr>
+              <a:buFont typeface="Arial" panose="020B0604020202020204" pitchFamily="34" charset="0"/>
+              <a:buChar char="•"/>
+            </a:pPr>
+            <a:r>
+              <a:rPr lang="en-US" b="1" dirty="0">
+                <a:solidFill>
+                  <a:srgbClr val="333333"/>
+                </a:solidFill>
+                <a:latin typeface="Helvetica Neue" panose="02000503000000020004" pitchFamily="2" charset="0"/>
+              </a:rPr>
+              <a:t>units=:</a:t>
+            </a:r>
+            <a:r>
+              <a:rPr lang="en-US" dirty="0">
+                <a:solidFill>
+                  <a:srgbClr val="333333"/>
+                </a:solidFill>
+                <a:latin typeface="Helvetica Neue" panose="02000503000000020004" pitchFamily="2" charset="0"/>
+              </a:rPr>
+              <a:t> the units for the coordinates of the data</a:t>
+            </a:r>
+          </a:p>
+          <a:p>
+            <a:pPr>
+              <a:buFont typeface="Arial" panose="020B0604020202020204" pitchFamily="34" charset="0"/>
+              <a:buChar char="•"/>
+            </a:pPr>
+            <a:r>
+              <a:rPr lang="en-US" b="1" dirty="0" err="1">
+                <a:solidFill>
+                  <a:srgbClr val="333333"/>
+                </a:solidFill>
+                <a:latin typeface="Helvetica Neue" panose="02000503000000020004" pitchFamily="2" charset="0"/>
+              </a:rPr>
+              <a:t>ellps</a:t>
+            </a:r>
+            <a:r>
+              <a:rPr lang="en-US" b="1" dirty="0">
+                <a:solidFill>
+                  <a:srgbClr val="333333"/>
+                </a:solidFill>
+                <a:latin typeface="Helvetica Neue" panose="02000503000000020004" pitchFamily="2" charset="0"/>
+              </a:rPr>
+              <a:t>=:</a:t>
+            </a:r>
+            <a:r>
+              <a:rPr lang="en-US" dirty="0">
+                <a:solidFill>
+                  <a:srgbClr val="333333"/>
+                </a:solidFill>
+                <a:latin typeface="Helvetica Neue" panose="02000503000000020004" pitchFamily="2" charset="0"/>
+              </a:rPr>
+              <a:t> the ellipsoid (how the earth’s roundness is calculated) for the data</a:t>
+            </a:r>
+          </a:p>
+          <a:p>
+            <a:r>
+              <a:rPr lang="en-US" dirty="0">
+                <a:solidFill>
+                  <a:srgbClr val="333333"/>
+                </a:solidFill>
+                <a:latin typeface="Helvetica Neue" panose="02000503000000020004" pitchFamily="2" charset="0"/>
+              </a:rPr>
+              <a:t>Note that the zone is unique to the UTM projection. Not all CRSs will have a zone.</a:t>
+            </a:r>
+            <a:endParaRPr lang="en-US" b="0" i="0" u="none" strike="noStrike" dirty="0">
+              <a:solidFill>
+                <a:srgbClr val="333333"/>
+              </a:solidFill>
+              <a:effectLst/>
+              <a:latin typeface="Helvetica Neue" panose="02000503000000020004" pitchFamily="2" charset="0"/>
+            </a:endParaRPr>
+          </a:p>
+        </p:txBody>
+      </p:sp>
+    </p:spTree>
+    <p:extLst>
+      <p:ext uri="{BB962C8B-B14F-4D97-AF65-F5344CB8AC3E}">
+        <p14:creationId xmlns:p14="http://schemas.microsoft.com/office/powerpoint/2010/main" val="1835527631"/>
       </p:ext>
     </p:extLst>
   </p:cSld>
